--- a/5. Loops/5. Loops.pptx
+++ b/5. Loops/5. Loops.pptx
@@ -247,7 +247,7 @@
             <a:fld id="{FE5B4EDC-59C0-49C7-8ADA-5A781B329E02}" type="datetimeFigureOut">
               <a:rPr lang="en-US"/>
               <a:pPr/>
-              <a:t>2/10/2017</a:t>
+              <a:t>2/14/2017</a:t>
             </a:fld>
             <a:endParaRPr dirty="0"/>
           </a:p>
@@ -446,7 +446,7 @@
             <a:fld id="{F2D8D46A-B586-417D-BFBD-8C8FE0AAF762}" type="datetimeFigureOut">
               <a:rPr lang="en-US" smtClean="0"/>
               <a:pPr/>
-              <a:t>2/10/2017</a:t>
+              <a:t>2/14/2017</a:t>
             </a:fld>
             <a:endParaRPr lang="en-US"/>
           </a:p>
@@ -2196,7 +2196,7 @@
             <a:fld id="{055373AC-9AA7-423B-BA00-BA1C74164DBD}" type="datetime1">
               <a:rPr lang="en-US" smtClean="0"/>
               <a:pPr/>
-              <a:t>2/10/2017</a:t>
+              <a:t>2/14/2017</a:t>
             </a:fld>
             <a:endParaRPr lang="en-US" dirty="0"/>
           </a:p>
@@ -3470,7 +3470,7 @@
             <a:fld id="{055373AC-9AA7-423B-BA00-BA1C74164DBD}" type="datetime1">
               <a:rPr lang="en-US" smtClean="0"/>
               <a:pPr/>
-              <a:t>2/10/2017</a:t>
+              <a:t>2/14/2017</a:t>
             </a:fld>
             <a:endParaRPr lang="en-US" dirty="0"/>
           </a:p>
@@ -4560,8 +4560,8 @@
         </p:nvSpPr>
         <p:spPr bwMode="auto">
           <a:xfrm>
-            <a:off x="912812" y="1219200"/>
-            <a:ext cx="10363200" cy="3785652"/>
+            <a:off x="1098458" y="1676400"/>
+            <a:ext cx="10363200" cy="3323987"/>
           </a:xfrm>
           <a:prstGeom prst="rect">
             <a:avLst/>
@@ -4603,7 +4603,24 @@
                 <a:latin typeface="Consolas" pitchFamily="49" charset="0"/>
                 <a:cs typeface="Consolas" pitchFamily="49" charset="0"/>
               </a:rPr>
-              <a:t>print</a:t>
+              <a:t>n </a:t>
+            </a:r>
+            <a:r>
+              <a:rPr lang="en-US" sz="3000" b="1" noProof="1">
+                <a:solidFill>
+                  <a:srgbClr val="FBEEDC"/>
+                </a:solidFill>
+                <a:effectLst>
+                  <a:outerShdw blurRad="38100" dist="38100" dir="2700000" algn="tl">
+                    <a:srgbClr val="000000">
+                      <a:alpha val="43137"/>
+                    </a:srgbClr>
+                  </a:outerShdw>
+                </a:effectLst>
+                <a:latin typeface="Consolas" pitchFamily="49" charset="0"/>
+                <a:cs typeface="Consolas" pitchFamily="49" charset="0"/>
+              </a:rPr>
+              <a:t>= </a:t>
             </a:r>
             <a:r>
               <a:rPr lang="en-US" sz="3000" b="1" noProof="1" smtClean="0">
@@ -4620,7 +4637,7 @@
                 <a:latin typeface="Consolas" pitchFamily="49" charset="0"/>
                 <a:cs typeface="Consolas" pitchFamily="49" charset="0"/>
               </a:rPr>
-              <a:t>('n </a:t>
+              <a:t>int(input</a:t>
             </a:r>
             <a:r>
               <a:rPr lang="en-US" sz="3000" b="1" noProof="1">
@@ -4637,24 +4654,7 @@
                 <a:latin typeface="Consolas" pitchFamily="49" charset="0"/>
                 <a:cs typeface="Consolas" pitchFamily="49" charset="0"/>
               </a:rPr>
-              <a:t>= </a:t>
-            </a:r>
-            <a:r>
-              <a:rPr lang="en-US" sz="3000" b="1" noProof="1" smtClean="0">
-                <a:solidFill>
-                  <a:srgbClr val="FBEEDC"/>
-                </a:solidFill>
-                <a:effectLst>
-                  <a:outerShdw blurRad="38100" dist="38100" dir="2700000" algn="tl">
-                    <a:srgbClr val="000000">
-                      <a:alpha val="43137"/>
-                    </a:srgbClr>
-                  </a:outerShdw>
-                </a:effectLst>
-                <a:latin typeface="Consolas" pitchFamily="49" charset="0"/>
-                <a:cs typeface="Consolas" pitchFamily="49" charset="0"/>
-              </a:rPr>
-              <a:t>')</a:t>
+              <a:t>('n = '))</a:t>
             </a:r>
             <a:endParaRPr lang="en-US" sz="3000" b="1" noProof="1">
               <a:solidFill>
@@ -4687,7 +4687,7 @@
                 <a:latin typeface="Consolas" pitchFamily="49" charset="0"/>
                 <a:cs typeface="Consolas" pitchFamily="49" charset="0"/>
               </a:rPr>
-              <a:t>n </a:t>
+              <a:t>max </a:t>
             </a:r>
             <a:r>
               <a:rPr lang="en-US" sz="3000" b="1" noProof="1">
@@ -4704,7 +4704,7 @@
                 <a:latin typeface="Consolas" pitchFamily="49" charset="0"/>
                 <a:cs typeface="Consolas" pitchFamily="49" charset="0"/>
               </a:rPr>
-              <a:t>= </a:t>
+              <a:t>= -</a:t>
             </a:r>
             <a:r>
               <a:rPr lang="en-US" sz="3000" b="1" noProof="1" smtClean="0">
@@ -4721,7 +4721,7 @@
                 <a:latin typeface="Consolas" pitchFamily="49" charset="0"/>
                 <a:cs typeface="Consolas" pitchFamily="49" charset="0"/>
               </a:rPr>
-              <a:t>int(input())</a:t>
+              <a:t>10000000000000</a:t>
             </a:r>
             <a:endParaRPr lang="en-US" sz="3000" b="1" noProof="1">
               <a:solidFill>
@@ -4754,41 +4754,96 @@
                 <a:latin typeface="Consolas" pitchFamily="49" charset="0"/>
                 <a:cs typeface="Consolas" pitchFamily="49" charset="0"/>
               </a:rPr>
-              <a:t>max </a:t>
-            </a:r>
-            <a:r>
-              <a:rPr lang="en-US" sz="3000" b="1" noProof="1">
-                <a:solidFill>
-                  <a:srgbClr val="FBEEDC"/>
-                </a:solidFill>
-                <a:effectLst>
-                  <a:outerShdw blurRad="38100" dist="38100" dir="2700000" algn="tl">
-                    <a:srgbClr val="000000">
-                      <a:alpha val="43137"/>
-                    </a:srgbClr>
-                  </a:outerShdw>
-                </a:effectLst>
-                <a:latin typeface="Consolas" pitchFamily="49" charset="0"/>
-                <a:cs typeface="Consolas" pitchFamily="49" charset="0"/>
-              </a:rPr>
-              <a:t>= -</a:t>
+              <a:t>for i</a:t>
+            </a:r>
+            <a:r>
+              <a:rPr lang="bg-BG" sz="3000" b="1" noProof="1" smtClean="0">
+                <a:solidFill>
+                  <a:srgbClr val="FBEEDC"/>
+                </a:solidFill>
+                <a:effectLst>
+                  <a:outerShdw blurRad="38100" dist="38100" dir="2700000" algn="tl">
+                    <a:srgbClr val="000000">
+                      <a:alpha val="43137"/>
+                    </a:srgbClr>
+                  </a:outerShdw>
+                </a:effectLst>
+                <a:latin typeface="Consolas" pitchFamily="49" charset="0"/>
+                <a:cs typeface="Consolas" pitchFamily="49" charset="0"/>
+              </a:rPr>
+              <a:t> </a:t>
+            </a:r>
+            <a:r>
+              <a:rPr lang="sv-SE" sz="3000" b="1" noProof="1" smtClean="0">
+                <a:solidFill>
+                  <a:srgbClr val="FBEEDC"/>
+                </a:solidFill>
+                <a:effectLst>
+                  <a:outerShdw blurRad="38100" dist="38100" dir="2700000" algn="tl">
+                    <a:srgbClr val="000000">
+                      <a:alpha val="43137"/>
+                    </a:srgbClr>
+                  </a:outerShdw>
+                </a:effectLst>
+                <a:latin typeface="Consolas" pitchFamily="49" charset="0"/>
+                <a:cs typeface="Consolas" pitchFamily="49" charset="0"/>
+              </a:rPr>
+              <a:t>in </a:t>
+            </a:r>
+            <a:r>
+              <a:rPr lang="sv-SE" sz="3000" b="1" noProof="1" smtClean="0">
+                <a:solidFill>
+                  <a:schemeClr val="tx2">
+                    <a:lumMod val="75000"/>
+                  </a:schemeClr>
+                </a:solidFill>
+                <a:effectLst>
+                  <a:outerShdw blurRad="38100" dist="38100" dir="2700000" algn="tl">
+                    <a:srgbClr val="000000">
+                      <a:alpha val="43137"/>
+                    </a:srgbClr>
+                  </a:outerShdw>
+                </a:effectLst>
+                <a:latin typeface="Consolas" pitchFamily="49" charset="0"/>
+                <a:cs typeface="Consolas" pitchFamily="49" charset="0"/>
+              </a:rPr>
+              <a:t>range</a:t>
             </a:r>
             <a:r>
               <a:rPr lang="en-US" sz="3000" b="1" noProof="1" smtClean="0">
                 <a:solidFill>
-                  <a:srgbClr val="FBEEDC"/>
-                </a:solidFill>
-                <a:effectLst>
-                  <a:outerShdw blurRad="38100" dist="38100" dir="2700000" algn="tl">
-                    <a:srgbClr val="000000">
-                      <a:alpha val="43137"/>
-                    </a:srgbClr>
-                  </a:outerShdw>
-                </a:effectLst>
-                <a:latin typeface="Consolas" pitchFamily="49" charset="0"/>
-                <a:cs typeface="Consolas" pitchFamily="49" charset="0"/>
-              </a:rPr>
-              <a:t>10000000000000</a:t>
+                  <a:schemeClr val="tx2">
+                    <a:lumMod val="75000"/>
+                  </a:schemeClr>
+                </a:solidFill>
+                <a:effectLst>
+                  <a:outerShdw blurRad="38100" dist="38100" dir="2700000" algn="tl">
+                    <a:srgbClr val="000000">
+                      <a:alpha val="43137"/>
+                    </a:srgbClr>
+                  </a:outerShdw>
+                </a:effectLst>
+                <a:latin typeface="Consolas" pitchFamily="49" charset="0"/>
+                <a:cs typeface="Consolas" pitchFamily="49" charset="0"/>
+              </a:rPr>
+              <a:t>(n)</a:t>
+            </a:r>
+            <a:r>
+              <a:rPr lang="en-US" sz="3000" b="1" noProof="1" smtClean="0">
+                <a:solidFill>
+                  <a:srgbClr val="FBEEDC"/>
+                </a:solidFill>
+                <a:effectLst>
+                  <a:outerShdw blurRad="38100" dist="38100" dir="2700000" algn="tl">
+                    <a:srgbClr val="000000">
+                      <a:alpha val="43137"/>
+                    </a:srgbClr>
+                  </a:outerShdw>
+                </a:effectLst>
+                <a:latin typeface="Consolas" pitchFamily="49" charset="0"/>
+                <a:cs typeface="Consolas" pitchFamily="49" charset="0"/>
+              </a:rPr>
+              <a:t>:</a:t>
             </a:r>
             <a:endParaRPr lang="en-US" sz="3000" b="1" noProof="1">
               <a:solidFill>
@@ -4821,96 +4876,41 @@
                 <a:latin typeface="Consolas" pitchFamily="49" charset="0"/>
                 <a:cs typeface="Consolas" pitchFamily="49" charset="0"/>
               </a:rPr>
-              <a:t>for i</a:t>
-            </a:r>
-            <a:r>
-              <a:rPr lang="bg-BG" sz="3000" b="1" noProof="1" smtClean="0">
-                <a:solidFill>
-                  <a:srgbClr val="FBEEDC"/>
-                </a:solidFill>
-                <a:effectLst>
-                  <a:outerShdw blurRad="38100" dist="38100" dir="2700000" algn="tl">
-                    <a:srgbClr val="000000">
-                      <a:alpha val="43137"/>
-                    </a:srgbClr>
-                  </a:outerShdw>
-                </a:effectLst>
-                <a:latin typeface="Consolas" pitchFamily="49" charset="0"/>
-                <a:cs typeface="Consolas" pitchFamily="49" charset="0"/>
-              </a:rPr>
-              <a:t> </a:t>
-            </a:r>
-            <a:r>
-              <a:rPr lang="sv-SE" sz="3000" b="1" noProof="1" smtClean="0">
-                <a:solidFill>
-                  <a:srgbClr val="FBEEDC"/>
-                </a:solidFill>
-                <a:effectLst>
-                  <a:outerShdw blurRad="38100" dist="38100" dir="2700000" algn="tl">
-                    <a:srgbClr val="000000">
-                      <a:alpha val="43137"/>
-                    </a:srgbClr>
-                  </a:outerShdw>
-                </a:effectLst>
-                <a:latin typeface="Consolas" pitchFamily="49" charset="0"/>
-                <a:cs typeface="Consolas" pitchFamily="49" charset="0"/>
-              </a:rPr>
-              <a:t>in </a:t>
-            </a:r>
-            <a:r>
-              <a:rPr lang="sv-SE" sz="3000" b="1" noProof="1" smtClean="0">
-                <a:solidFill>
-                  <a:schemeClr val="tx2">
-                    <a:lumMod val="75000"/>
-                  </a:schemeClr>
-                </a:solidFill>
-                <a:effectLst>
-                  <a:outerShdw blurRad="38100" dist="38100" dir="2700000" algn="tl">
-                    <a:srgbClr val="000000">
-                      <a:alpha val="43137"/>
-                    </a:srgbClr>
-                  </a:outerShdw>
-                </a:effectLst>
-                <a:latin typeface="Consolas" pitchFamily="49" charset="0"/>
-                <a:cs typeface="Consolas" pitchFamily="49" charset="0"/>
-              </a:rPr>
-              <a:t>range</a:t>
+              <a:t>   num </a:t>
+            </a:r>
+            <a:r>
+              <a:rPr lang="en-US" sz="3000" b="1" noProof="1">
+                <a:solidFill>
+                  <a:srgbClr val="FBEEDC"/>
+                </a:solidFill>
+                <a:effectLst>
+                  <a:outerShdw blurRad="38100" dist="38100" dir="2700000" algn="tl">
+                    <a:srgbClr val="000000">
+                      <a:alpha val="43137"/>
+                    </a:srgbClr>
+                  </a:outerShdw>
+                </a:effectLst>
+                <a:latin typeface="Consolas" pitchFamily="49" charset="0"/>
+                <a:cs typeface="Consolas" pitchFamily="49" charset="0"/>
+              </a:rPr>
+              <a:t>= </a:t>
             </a:r>
             <a:r>
               <a:rPr lang="en-US" sz="3000" b="1" noProof="1" smtClean="0">
                 <a:solidFill>
-                  <a:schemeClr val="tx2">
-                    <a:lumMod val="75000"/>
-                  </a:schemeClr>
-                </a:solidFill>
-                <a:effectLst>
-                  <a:outerShdw blurRad="38100" dist="38100" dir="2700000" algn="tl">
-                    <a:srgbClr val="000000">
-                      <a:alpha val="43137"/>
-                    </a:srgbClr>
-                  </a:outerShdw>
-                </a:effectLst>
-                <a:latin typeface="Consolas" pitchFamily="49" charset="0"/>
-                <a:cs typeface="Consolas" pitchFamily="49" charset="0"/>
-              </a:rPr>
-              <a:t>(n)</a:t>
-            </a:r>
-            <a:r>
-              <a:rPr lang="en-US" sz="3000" b="1" noProof="1" smtClean="0">
-                <a:solidFill>
-                  <a:srgbClr val="FBEEDC"/>
-                </a:solidFill>
-                <a:effectLst>
-                  <a:outerShdw blurRad="38100" dist="38100" dir="2700000" algn="tl">
-                    <a:srgbClr val="000000">
-                      <a:alpha val="43137"/>
-                    </a:srgbClr>
-                  </a:outerShdw>
-                </a:effectLst>
-                <a:latin typeface="Consolas" pitchFamily="49" charset="0"/>
-                <a:cs typeface="Consolas" pitchFamily="49" charset="0"/>
-              </a:rPr>
-              <a:t>:</a:t>
+                  <a:srgbClr val="FBEEDC"/>
+                </a:solidFill>
+                <a:effectLst>
+                  <a:outerShdw blurRad="38100" dist="38100" dir="2700000" algn="tl">
+                    <a:srgbClr val="000000">
+                      <a:alpha val="43137"/>
+                    </a:srgbClr>
+                  </a:outerShdw>
+                </a:effectLst>
+                <a:latin typeface="Consolas" pitchFamily="49" charset="0"/>
+                <a:cs typeface="Consolas" pitchFamily="49" charset="0"/>
+              </a:rPr>
+              <a:t>int(input())</a:t>
             </a:r>
             <a:endParaRPr lang="en-US" sz="3000" b="1" noProof="1">
               <a:solidFill>
@@ -4929,6 +4929,23 @@
           </a:p>
           <a:p>
             <a:r>
+              <a:rPr lang="en-US" sz="3000" b="1" noProof="1">
+                <a:solidFill>
+                  <a:srgbClr val="FBEEDC"/>
+                </a:solidFill>
+                <a:effectLst>
+                  <a:outerShdw blurRad="38100" dist="38100" dir="2700000" algn="tl">
+                    <a:srgbClr val="000000">
+                      <a:alpha val="43137"/>
+                    </a:srgbClr>
+                  </a:outerShdw>
+                </a:effectLst>
+                <a:latin typeface="Consolas" pitchFamily="49" charset="0"/>
+                <a:cs typeface="Consolas" pitchFamily="49" charset="0"/>
+              </a:rPr>
+              <a:t>   </a:t>
+            </a:r>
+            <a:r>
               <a:rPr lang="en-US" sz="3000" b="1" noProof="1" smtClean="0">
                 <a:solidFill>
                   <a:srgbClr val="FBEEDC"/>
@@ -4943,7 +4960,7 @@
                 <a:latin typeface="Consolas" pitchFamily="49" charset="0"/>
                 <a:cs typeface="Consolas" pitchFamily="49" charset="0"/>
               </a:rPr>
-              <a:t>   num </a:t>
+              <a:t>if num </a:t>
             </a:r>
             <a:r>
               <a:rPr lang="en-US" sz="3000" b="1" noProof="1">
@@ -4960,7 +4977,7 @@
                 <a:latin typeface="Consolas" pitchFamily="49" charset="0"/>
                 <a:cs typeface="Consolas" pitchFamily="49" charset="0"/>
               </a:rPr>
-              <a:t>= </a:t>
+              <a:t>&gt; </a:t>
             </a:r>
             <a:r>
               <a:rPr lang="en-US" sz="3000" b="1" noProof="1" smtClean="0">
@@ -4977,7 +4994,24 @@
                 <a:latin typeface="Consolas" pitchFamily="49" charset="0"/>
                 <a:cs typeface="Consolas" pitchFamily="49" charset="0"/>
               </a:rPr>
-              <a:t>int(input())</a:t>
+              <a:t>max</a:t>
+            </a:r>
+            <a:r>
+              <a:rPr lang="bg-BG" sz="3000" b="1" noProof="1" smtClean="0">
+                <a:solidFill>
+                  <a:srgbClr val="FBEEDC"/>
+                </a:solidFill>
+                <a:effectLst>
+                  <a:outerShdw blurRad="38100" dist="38100" dir="2700000" algn="tl">
+                    <a:srgbClr val="000000">
+                      <a:alpha val="43137"/>
+                    </a:srgbClr>
+                  </a:outerShdw>
+                </a:effectLst>
+                <a:latin typeface="Consolas" pitchFamily="49" charset="0"/>
+                <a:cs typeface="Consolas" pitchFamily="49" charset="0"/>
+              </a:rPr>
+              <a:t>:</a:t>
             </a:r>
             <a:endParaRPr lang="en-US" sz="3000" b="1" noProof="1">
               <a:solidFill>
@@ -4996,6 +5030,23 @@
           </a:p>
           <a:p>
             <a:r>
+              <a:rPr lang="en-US" sz="3000" b="1" noProof="1" smtClean="0">
+                <a:solidFill>
+                  <a:srgbClr val="FBEEDC"/>
+                </a:solidFill>
+                <a:effectLst>
+                  <a:outerShdw blurRad="38100" dist="38100" dir="2700000" algn="tl">
+                    <a:srgbClr val="000000">
+                      <a:alpha val="43137"/>
+                    </a:srgbClr>
+                  </a:outerShdw>
+                </a:effectLst>
+                <a:latin typeface="Consolas" pitchFamily="49" charset="0"/>
+                <a:cs typeface="Consolas" pitchFamily="49" charset="0"/>
+              </a:rPr>
+              <a:t>      max </a:t>
+            </a:r>
+            <a:r>
               <a:rPr lang="en-US" sz="3000" b="1" noProof="1">
                 <a:solidFill>
                   <a:srgbClr val="FBEEDC"/>
@@ -5010,7 +5061,7 @@
                 <a:latin typeface="Consolas" pitchFamily="49" charset="0"/>
                 <a:cs typeface="Consolas" pitchFamily="49" charset="0"/>
               </a:rPr>
-              <a:t>   </a:t>
+              <a:t>= </a:t>
             </a:r>
             <a:r>
               <a:rPr lang="en-US" sz="3000" b="1" noProof="1" smtClean="0">
@@ -5027,58 +5078,7 @@
                 <a:latin typeface="Consolas" pitchFamily="49" charset="0"/>
                 <a:cs typeface="Consolas" pitchFamily="49" charset="0"/>
               </a:rPr>
-              <a:t>if num </a:t>
-            </a:r>
-            <a:r>
-              <a:rPr lang="en-US" sz="3000" b="1" noProof="1">
-                <a:solidFill>
-                  <a:srgbClr val="FBEEDC"/>
-                </a:solidFill>
-                <a:effectLst>
-                  <a:outerShdw blurRad="38100" dist="38100" dir="2700000" algn="tl">
-                    <a:srgbClr val="000000">
-                      <a:alpha val="43137"/>
-                    </a:srgbClr>
-                  </a:outerShdw>
-                </a:effectLst>
-                <a:latin typeface="Consolas" pitchFamily="49" charset="0"/>
-                <a:cs typeface="Consolas" pitchFamily="49" charset="0"/>
-              </a:rPr>
-              <a:t>&gt; </a:t>
-            </a:r>
-            <a:r>
-              <a:rPr lang="en-US" sz="3000" b="1" noProof="1" smtClean="0">
-                <a:solidFill>
-                  <a:srgbClr val="FBEEDC"/>
-                </a:solidFill>
-                <a:effectLst>
-                  <a:outerShdw blurRad="38100" dist="38100" dir="2700000" algn="tl">
-                    <a:srgbClr val="000000">
-                      <a:alpha val="43137"/>
-                    </a:srgbClr>
-                  </a:outerShdw>
-                </a:effectLst>
-                <a:latin typeface="Consolas" pitchFamily="49" charset="0"/>
-                <a:cs typeface="Consolas" pitchFamily="49" charset="0"/>
-              </a:rPr>
-              <a:t>max</a:t>
-            </a:r>
-            <a:r>
-              <a:rPr lang="bg-BG" sz="3000" b="1" noProof="1" smtClean="0">
-                <a:solidFill>
-                  <a:srgbClr val="FBEEDC"/>
-                </a:solidFill>
-                <a:effectLst>
-                  <a:outerShdw blurRad="38100" dist="38100" dir="2700000" algn="tl">
-                    <a:srgbClr val="000000">
-                      <a:alpha val="43137"/>
-                    </a:srgbClr>
-                  </a:outerShdw>
-                </a:effectLst>
-                <a:latin typeface="Consolas" pitchFamily="49" charset="0"/>
-                <a:cs typeface="Consolas" pitchFamily="49" charset="0"/>
-              </a:rPr>
-              <a:t>:</a:t>
+              <a:t>num</a:t>
             </a:r>
             <a:endParaRPr lang="en-US" sz="3000" b="1" noProof="1">
               <a:solidFill>
@@ -5111,91 +5111,7 @@
                 <a:latin typeface="Consolas" pitchFamily="49" charset="0"/>
                 <a:cs typeface="Consolas" pitchFamily="49" charset="0"/>
               </a:rPr>
-              <a:t>      max </a:t>
-            </a:r>
-            <a:r>
-              <a:rPr lang="en-US" sz="3000" b="1" noProof="1">
-                <a:solidFill>
-                  <a:srgbClr val="FBEEDC"/>
-                </a:solidFill>
-                <a:effectLst>
-                  <a:outerShdw blurRad="38100" dist="38100" dir="2700000" algn="tl">
-                    <a:srgbClr val="000000">
-                      <a:alpha val="43137"/>
-                    </a:srgbClr>
-                  </a:outerShdw>
-                </a:effectLst>
-                <a:latin typeface="Consolas" pitchFamily="49" charset="0"/>
-                <a:cs typeface="Consolas" pitchFamily="49" charset="0"/>
-              </a:rPr>
-              <a:t>= </a:t>
-            </a:r>
-            <a:r>
-              <a:rPr lang="en-US" sz="3000" b="1" noProof="1" smtClean="0">
-                <a:solidFill>
-                  <a:srgbClr val="FBEEDC"/>
-                </a:solidFill>
-                <a:effectLst>
-                  <a:outerShdw blurRad="38100" dist="38100" dir="2700000" algn="tl">
-                    <a:srgbClr val="000000">
-                      <a:alpha val="43137"/>
-                    </a:srgbClr>
-                  </a:outerShdw>
-                </a:effectLst>
-                <a:latin typeface="Consolas" pitchFamily="49" charset="0"/>
-                <a:cs typeface="Consolas" pitchFamily="49" charset="0"/>
-              </a:rPr>
-              <a:t>num</a:t>
-            </a:r>
-            <a:endParaRPr lang="en-US" sz="3000" b="1" noProof="1">
-              <a:solidFill>
-                <a:srgbClr val="FBEEDC"/>
-              </a:solidFill>
-              <a:effectLst>
-                <a:outerShdw blurRad="38100" dist="38100" dir="2700000" algn="tl">
-                  <a:srgbClr val="000000">
-                    <a:alpha val="43137"/>
-                  </a:srgbClr>
-                </a:outerShdw>
-              </a:effectLst>
-              <a:latin typeface="Consolas" pitchFamily="49" charset="0"/>
-              <a:cs typeface="Consolas" pitchFamily="49" charset="0"/>
-            </a:endParaRPr>
-          </a:p>
-          <a:p>
-            <a:r>
-              <a:rPr lang="en-US" sz="3000" b="1" noProof="1" smtClean="0">
-                <a:solidFill>
-                  <a:srgbClr val="FBEEDC"/>
-                </a:solidFill>
-                <a:effectLst>
-                  <a:outerShdw blurRad="38100" dist="38100" dir="2700000" algn="tl">
-                    <a:srgbClr val="000000">
-                      <a:alpha val="43137"/>
-                    </a:srgbClr>
-                  </a:outerShdw>
-                </a:effectLst>
-                <a:latin typeface="Consolas" pitchFamily="49" charset="0"/>
-                <a:cs typeface="Consolas" pitchFamily="49" charset="0"/>
-              </a:rPr>
-              <a:t>print</a:t>
-            </a:r>
-            <a:r>
-              <a:rPr lang="en-US" sz="3000" b="1" noProof="1" smtClean="0">
-                <a:solidFill>
-                  <a:srgbClr val="FBEEDC"/>
-                </a:solidFill>
-                <a:effectLst>
-                  <a:outerShdw blurRad="38100" dist="38100" dir="2700000" algn="tl">
-                    <a:srgbClr val="000000">
-                      <a:alpha val="43137"/>
-                    </a:srgbClr>
-                  </a:outerShdw>
-                </a:effectLst>
-                <a:latin typeface="Consolas" pitchFamily="49" charset="0"/>
-                <a:cs typeface="Consolas" pitchFamily="49" charset="0"/>
-              </a:rPr>
-              <a:t>('max </a:t>
+              <a:t>print('max </a:t>
             </a:r>
             <a:r>
               <a:rPr lang="en-US" sz="3000" b="1" noProof="1">
@@ -7336,11 +7252,7 @@
             </a:pPr>
             <a:r>
               <a:rPr lang="bg-BG" sz="3000" dirty="0" smtClean="0"/>
-              <a:t>При равенство печата </a:t>
-            </a:r>
-            <a:r>
-              <a:rPr lang="bg-BG" sz="3000" dirty="0" smtClean="0"/>
-              <a:t>'</a:t>
+              <a:t>При равенство печата '</a:t>
             </a:r>
             <a:r>
               <a:rPr lang="en-US" sz="3000" b="1" dirty="0" smtClean="0">
@@ -7396,11 +7308,7 @@
             </a:r>
             <a:r>
               <a:rPr lang="en-US" sz="3000" dirty="0" smtClean="0"/>
-              <a:t>' </a:t>
-            </a:r>
-            <a:r>
-              <a:rPr lang="en-US" sz="3000" dirty="0" smtClean="0"/>
-              <a:t>+ </a:t>
+              <a:t>' + </a:t>
             </a:r>
             <a:r>
               <a:rPr lang="bg-BG" sz="3000" dirty="0" smtClean="0">
@@ -8782,7 +8690,24 @@
                 <a:latin typeface="Consolas" pitchFamily="49" charset="0"/>
                 <a:cs typeface="Consolas" pitchFamily="49" charset="0"/>
               </a:rPr>
-              <a:t>  print</a:t>
+              <a:t>  print('Yes</a:t>
+            </a:r>
+            <a:r>
+              <a:rPr lang="en-US" sz="2700" b="1" noProof="1">
+                <a:solidFill>
+                  <a:srgbClr val="FBEEDC"/>
+                </a:solidFill>
+                <a:effectLst>
+                  <a:outerShdw blurRad="38100" dist="38100" dir="2700000" algn="tl">
+                    <a:srgbClr val="000000">
+                      <a:alpha val="43137"/>
+                    </a:srgbClr>
+                  </a:outerShdw>
+                </a:effectLst>
+                <a:latin typeface="Consolas" pitchFamily="49" charset="0"/>
+                <a:cs typeface="Consolas" pitchFamily="49" charset="0"/>
+              </a:rPr>
+              <a:t>, </a:t>
             </a:r>
             <a:r>
               <a:rPr lang="en-US" sz="2700" b="1" noProof="1" smtClean="0">
@@ -8799,58 +8724,7 @@
                 <a:latin typeface="Consolas" pitchFamily="49" charset="0"/>
                 <a:cs typeface="Consolas" pitchFamily="49" charset="0"/>
               </a:rPr>
-              <a:t>('Yes</a:t>
-            </a:r>
-            <a:r>
-              <a:rPr lang="en-US" sz="2700" b="1" noProof="1">
-                <a:solidFill>
-                  <a:srgbClr val="FBEEDC"/>
-                </a:solidFill>
-                <a:effectLst>
-                  <a:outerShdw blurRad="38100" dist="38100" dir="2700000" algn="tl">
-                    <a:srgbClr val="000000">
-                      <a:alpha val="43137"/>
-                    </a:srgbClr>
-                  </a:outerShdw>
-                </a:effectLst>
-                <a:latin typeface="Consolas" pitchFamily="49" charset="0"/>
-                <a:cs typeface="Consolas" pitchFamily="49" charset="0"/>
-              </a:rPr>
-              <a:t>, </a:t>
-            </a:r>
-            <a:r>
-              <a:rPr lang="en-US" sz="2700" b="1" noProof="1" smtClean="0">
-                <a:solidFill>
-                  <a:srgbClr val="FBEEDC"/>
-                </a:solidFill>
-                <a:effectLst>
-                  <a:outerShdw blurRad="38100" dist="38100" dir="2700000" algn="tl">
-                    <a:srgbClr val="000000">
-                      <a:alpha val="43137"/>
-                    </a:srgbClr>
-                  </a:outerShdw>
-                </a:effectLst>
-                <a:latin typeface="Consolas" pitchFamily="49" charset="0"/>
-                <a:cs typeface="Consolas" pitchFamily="49" charset="0"/>
-              </a:rPr>
-              <a:t>sum = </a:t>
-            </a:r>
-            <a:r>
-              <a:rPr lang="en-US" sz="2700" b="1" noProof="1" smtClean="0">
-                <a:solidFill>
-                  <a:srgbClr val="FBEEDC"/>
-                </a:solidFill>
-                <a:effectLst>
-                  <a:outerShdw blurRad="38100" dist="38100" dir="2700000" algn="tl">
-                    <a:srgbClr val="000000">
-                      <a:alpha val="43137"/>
-                    </a:srgbClr>
-                  </a:outerShdw>
-                </a:effectLst>
-                <a:latin typeface="Consolas" pitchFamily="49" charset="0"/>
-                <a:cs typeface="Consolas" pitchFamily="49" charset="0"/>
-              </a:rPr>
-              <a:t>' </a:t>
+              <a:t>sum = ' </a:t>
             </a:r>
             <a:r>
               <a:rPr lang="en-US" sz="2700" b="1" noProof="1">
@@ -8946,7 +8820,24 @@
                 <a:latin typeface="Consolas" pitchFamily="49" charset="0"/>
                 <a:cs typeface="Consolas" pitchFamily="49" charset="0"/>
               </a:rPr>
-              <a:t>  print</a:t>
+              <a:t>  print('No</a:t>
+            </a:r>
+            <a:r>
+              <a:rPr lang="en-US" sz="2700" b="1" noProof="1">
+                <a:solidFill>
+                  <a:srgbClr val="FBEEDC"/>
+                </a:solidFill>
+                <a:effectLst>
+                  <a:outerShdw blurRad="38100" dist="38100" dir="2700000" algn="tl">
+                    <a:srgbClr val="000000">
+                      <a:alpha val="43137"/>
+                    </a:srgbClr>
+                  </a:outerShdw>
+                </a:effectLst>
+                <a:latin typeface="Consolas" pitchFamily="49" charset="0"/>
+                <a:cs typeface="Consolas" pitchFamily="49" charset="0"/>
+              </a:rPr>
+              <a:t>, </a:t>
             </a:r>
             <a:r>
               <a:rPr lang="en-US" sz="2700" b="1" noProof="1" smtClean="0">
@@ -8963,58 +8854,7 @@
                 <a:latin typeface="Consolas" pitchFamily="49" charset="0"/>
                 <a:cs typeface="Consolas" pitchFamily="49" charset="0"/>
               </a:rPr>
-              <a:t>('No</a:t>
-            </a:r>
-            <a:r>
-              <a:rPr lang="en-US" sz="2700" b="1" noProof="1">
-                <a:solidFill>
-                  <a:srgbClr val="FBEEDC"/>
-                </a:solidFill>
-                <a:effectLst>
-                  <a:outerShdw blurRad="38100" dist="38100" dir="2700000" algn="tl">
-                    <a:srgbClr val="000000">
-                      <a:alpha val="43137"/>
-                    </a:srgbClr>
-                  </a:outerShdw>
-                </a:effectLst>
-                <a:latin typeface="Consolas" pitchFamily="49" charset="0"/>
-                <a:cs typeface="Consolas" pitchFamily="49" charset="0"/>
-              </a:rPr>
-              <a:t>, </a:t>
-            </a:r>
-            <a:r>
-              <a:rPr lang="en-US" sz="2700" b="1" noProof="1" smtClean="0">
-                <a:solidFill>
-                  <a:srgbClr val="FBEEDC"/>
-                </a:solidFill>
-                <a:effectLst>
-                  <a:outerShdw blurRad="38100" dist="38100" dir="2700000" algn="tl">
-                    <a:srgbClr val="000000">
-                      <a:alpha val="43137"/>
-                    </a:srgbClr>
-                  </a:outerShdw>
-                </a:effectLst>
-                <a:latin typeface="Consolas" pitchFamily="49" charset="0"/>
-                <a:cs typeface="Consolas" pitchFamily="49" charset="0"/>
-              </a:rPr>
-              <a:t>diff = </a:t>
-            </a:r>
-            <a:r>
-              <a:rPr lang="en-US" sz="2700" b="1" noProof="1" smtClean="0">
-                <a:solidFill>
-                  <a:srgbClr val="FBEEDC"/>
-                </a:solidFill>
-                <a:effectLst>
-                  <a:outerShdw blurRad="38100" dist="38100" dir="2700000" algn="tl">
-                    <a:srgbClr val="000000">
-                      <a:alpha val="43137"/>
-                    </a:srgbClr>
-                  </a:outerShdw>
-                </a:effectLst>
-                <a:latin typeface="Consolas" pitchFamily="49" charset="0"/>
-                <a:cs typeface="Consolas" pitchFamily="49" charset="0"/>
-              </a:rPr>
-              <a:t>' </a:t>
+              <a:t>diff = ' </a:t>
             </a:r>
             <a:r>
               <a:rPr lang="en-US" sz="2700" b="1" noProof="1">
@@ -9310,11 +9150,7 @@
             </a:pPr>
             <a:r>
               <a:rPr lang="bg-BG" sz="3000" dirty="0" smtClean="0"/>
-              <a:t>При равенство печата </a:t>
-            </a:r>
-            <a:r>
-              <a:rPr lang="bg-BG" sz="3000" dirty="0" smtClean="0"/>
-              <a:t>'</a:t>
+              <a:t>При равенство печата '</a:t>
             </a:r>
             <a:r>
               <a:rPr lang="en-US" sz="3000" b="1" dirty="0" smtClean="0">
@@ -9370,11 +9206,7 @@
             </a:r>
             <a:r>
               <a:rPr lang="en-US" sz="3000" dirty="0" smtClean="0"/>
-              <a:t>' </a:t>
-            </a:r>
-            <a:r>
-              <a:rPr lang="en-US" sz="3000" dirty="0" smtClean="0"/>
-              <a:t>+ </a:t>
+              <a:t>' + </a:t>
             </a:r>
             <a:r>
               <a:rPr lang="bg-BG" sz="3000" dirty="0" smtClean="0">
@@ -12292,24 +12124,7 @@
                 <a:latin typeface="Consolas" pitchFamily="49" charset="0"/>
                 <a:cs typeface="Consolas" pitchFamily="49" charset="0"/>
               </a:rPr>
-              <a:t>    print</a:t>
-            </a:r>
-            <a:r>
-              <a:rPr lang="en-US" sz="2800" b="1" noProof="1" smtClean="0">
-                <a:solidFill>
-                  <a:srgbClr val="FBEEDC"/>
-                </a:solidFill>
-                <a:effectLst>
-                  <a:outerShdw blurRad="38100" dist="38100" dir="2700000" algn="tl">
-                    <a:srgbClr val="000000">
-                      <a:alpha val="43137"/>
-                    </a:srgbClr>
-                  </a:outerShdw>
-                </a:effectLst>
-                <a:latin typeface="Consolas" pitchFamily="49" charset="0"/>
-                <a:cs typeface="Consolas" pitchFamily="49" charset="0"/>
-              </a:rPr>
-              <a:t>('i </a:t>
+              <a:t>    print('i </a:t>
             </a:r>
             <a:r>
               <a:rPr lang="en-US" sz="2800" b="1" noProof="1">
@@ -13588,33 +13403,17 @@
               <a:rPr lang="bg-BG" sz="2000" dirty="0" smtClean="0">
                 <a:hlinkClick r:id="rId4"/>
               </a:rPr>
-              <a:t>Основи </a:t>
-            </a:r>
-            <a:r>
-              <a:rPr lang="bg-BG" sz="2000" dirty="0" smtClean="0">
-                <a:hlinkClick r:id="rId4"/>
-              </a:rPr>
-              <a:t>на програмирането със </a:t>
+              <a:t>Основи на програмирането със </a:t>
             </a:r>
             <a:r>
               <a:rPr lang="en-US" sz="2000" dirty="0" smtClean="0">
                 <a:hlinkClick r:id="rId4"/>
               </a:rPr>
-              <a:t>C</a:t>
-            </a:r>
-            <a:r>
-              <a:rPr lang="en-US" sz="2000" dirty="0" smtClean="0">
-                <a:hlinkClick r:id="rId4"/>
-              </a:rPr>
-              <a:t>#'</a:t>
+              <a:t>C#'</a:t>
             </a:r>
             <a:r>
               <a:rPr lang="bg-BG" sz="2000" dirty="0" smtClean="0"/>
-              <a:t> </a:t>
-            </a:r>
-            <a:r>
-              <a:rPr lang="bg-BG" sz="2000" dirty="0" smtClean="0"/>
-              <a:t>от Светлин Наков и колектив с лиценз</a:t>
+              <a:t> от Светлин Наков и колектив с лиценз</a:t>
             </a:r>
             <a:r>
               <a:rPr lang="en-US" sz="2000" dirty="0" smtClean="0"/>
@@ -13815,11 +13614,7 @@
             </a:pPr>
             <a:r>
               <a:rPr lang="bg-BG" sz="3200" dirty="0" smtClean="0"/>
-              <a:t>Фондация </a:t>
-            </a:r>
-            <a:r>
-              <a:rPr lang="bg-BG" sz="3200" dirty="0" smtClean="0"/>
-              <a:t>'Софтуерен университет' </a:t>
+              <a:t>Фондация 'Софтуерен университет' </a:t>
             </a:r>
             <a:r>
               <a:rPr lang="en-US" sz="3200" dirty="0" smtClean="0"/>
@@ -14797,75 +14592,7 @@
                 <a:latin typeface="Consolas" pitchFamily="49" charset="0"/>
                 <a:cs typeface="Consolas" pitchFamily="49" charset="0"/>
               </a:rPr>
-              <a:t>    print</a:t>
-            </a:r>
-            <a:r>
-              <a:rPr lang="en-US" sz="2800" b="1" noProof="1" smtClean="0">
-                <a:solidFill>
-                  <a:srgbClr val="FBEEDC"/>
-                </a:solidFill>
-                <a:effectLst>
-                  <a:outerShdw blurRad="38100" dist="38100" dir="2700000" algn="tl">
-                    <a:srgbClr val="000000">
-                      <a:alpha val="43137"/>
-                    </a:srgbClr>
-                  </a:outerShdw>
-                </a:effectLst>
-                <a:latin typeface="Consolas" pitchFamily="49" charset="0"/>
-                <a:cs typeface="Consolas" pitchFamily="49" charset="0"/>
-              </a:rPr>
-              <a:t>('i </a:t>
-            </a:r>
-            <a:r>
-              <a:rPr lang="en-US" sz="2800" b="1" noProof="1" smtClean="0">
-                <a:solidFill>
-                  <a:srgbClr val="FBEEDC"/>
-                </a:solidFill>
-                <a:effectLst>
-                  <a:outerShdw blurRad="38100" dist="38100" dir="2700000" algn="tl">
-                    <a:srgbClr val="000000">
-                      <a:alpha val="43137"/>
-                    </a:srgbClr>
-                  </a:outerShdw>
-                </a:effectLst>
-                <a:latin typeface="Consolas" pitchFamily="49" charset="0"/>
-                <a:cs typeface="Consolas" pitchFamily="49" charset="0"/>
-              </a:rPr>
-              <a:t>= </a:t>
-            </a:r>
-            <a:r>
-              <a:rPr lang="en-US" sz="2800" b="1" noProof="1" smtClean="0">
-                <a:solidFill>
-                  <a:srgbClr val="FBEEDC"/>
-                </a:solidFill>
-                <a:effectLst>
-                  <a:outerShdw blurRad="38100" dist="38100" dir="2700000" algn="tl">
-                    <a:srgbClr val="000000">
-                      <a:alpha val="43137"/>
-                    </a:srgbClr>
-                  </a:outerShdw>
-                </a:effectLst>
-                <a:latin typeface="Consolas" pitchFamily="49" charset="0"/>
-                <a:cs typeface="Consolas" pitchFamily="49" charset="0"/>
-              </a:rPr>
-              <a:t>' </a:t>
-            </a:r>
-            <a:r>
-              <a:rPr lang="en-US" sz="2800" b="1" noProof="1" smtClean="0">
-                <a:solidFill>
-                  <a:srgbClr val="FBEEDC"/>
-                </a:solidFill>
-                <a:effectLst>
-                  <a:outerShdw blurRad="38100" dist="38100" dir="2700000" algn="tl">
-                    <a:srgbClr val="000000">
-                      <a:alpha val="43137"/>
-                    </a:srgbClr>
-                  </a:outerShdw>
-                </a:effectLst>
-                <a:latin typeface="Consolas" pitchFamily="49" charset="0"/>
-                <a:cs typeface="Consolas" pitchFamily="49" charset="0"/>
-              </a:rPr>
-              <a:t>+ str(i))</a:t>
+              <a:t>    print('i = ' + str(i))</a:t>
             </a:r>
           </a:p>
           <a:p>
@@ -18162,8 +17889,8 @@
         </p:nvSpPr>
         <p:spPr bwMode="auto">
           <a:xfrm>
-            <a:off x="912812" y="1463664"/>
-            <a:ext cx="10363200" cy="3847207"/>
+            <a:off x="912812" y="1784334"/>
+            <a:ext cx="10363200" cy="3416320"/>
           </a:xfrm>
           <a:prstGeom prst="rect">
             <a:avLst/>
@@ -18205,7 +17932,24 @@
                 <a:latin typeface="Consolas" pitchFamily="49" charset="0"/>
                 <a:cs typeface="Consolas" pitchFamily="49" charset="0"/>
               </a:rPr>
-              <a:t>print</a:t>
+              <a:t>n </a:t>
+            </a:r>
+            <a:r>
+              <a:rPr lang="en-US" sz="2800" b="1" noProof="1">
+                <a:solidFill>
+                  <a:srgbClr val="FBEEDC"/>
+                </a:solidFill>
+                <a:effectLst>
+                  <a:outerShdw blurRad="38100" dist="38100" dir="2700000" algn="tl">
+                    <a:srgbClr val="000000">
+                      <a:alpha val="43137"/>
+                    </a:srgbClr>
+                  </a:outerShdw>
+                </a:effectLst>
+                <a:latin typeface="Consolas" pitchFamily="49" charset="0"/>
+                <a:cs typeface="Consolas" pitchFamily="49" charset="0"/>
+              </a:rPr>
+              <a:t>= </a:t>
             </a:r>
             <a:r>
               <a:rPr lang="en-US" sz="2800" b="1" noProof="1" smtClean="0">
@@ -18222,7 +17966,7 @@
                 <a:latin typeface="Consolas" pitchFamily="49" charset="0"/>
                 <a:cs typeface="Consolas" pitchFamily="49" charset="0"/>
               </a:rPr>
-              <a:t>('n </a:t>
+              <a:t>int(input</a:t>
             </a:r>
             <a:r>
               <a:rPr lang="en-US" sz="2800" b="1" noProof="1">
@@ -18239,6 +17983,80 @@
                 <a:latin typeface="Consolas" pitchFamily="49" charset="0"/>
                 <a:cs typeface="Consolas" pitchFamily="49" charset="0"/>
               </a:rPr>
+              <a:t>('n = '))</a:t>
+            </a:r>
+            <a:endParaRPr lang="en-US" sz="2800" b="1" noProof="1" smtClean="0">
+              <a:solidFill>
+                <a:srgbClr val="FBEEDC"/>
+              </a:solidFill>
+              <a:effectLst>
+                <a:outerShdw blurRad="38100" dist="38100" dir="2700000" algn="tl">
+                  <a:srgbClr val="000000">
+                    <a:alpha val="43137"/>
+                  </a:srgbClr>
+                </a:outerShdw>
+              </a:effectLst>
+              <a:latin typeface="Consolas" pitchFamily="49" charset="0"/>
+              <a:cs typeface="Consolas" pitchFamily="49" charset="0"/>
+            </a:endParaRPr>
+          </a:p>
+          <a:p>
+            <a:r>
+              <a:rPr lang="en-US" sz="2800" b="1" noProof="1" smtClean="0">
+                <a:solidFill>
+                  <a:srgbClr val="FBEEDC"/>
+                </a:solidFill>
+                <a:effectLst>
+                  <a:outerShdw blurRad="38100" dist="38100" dir="2700000" algn="tl">
+                    <a:srgbClr val="000000">
+                      <a:alpha val="43137"/>
+                    </a:srgbClr>
+                  </a:outerShdw>
+                </a:effectLst>
+                <a:latin typeface="Consolas" pitchFamily="49" charset="0"/>
+                <a:cs typeface="Consolas" pitchFamily="49" charset="0"/>
+              </a:rPr>
+              <a:t>print('Enter the numbers:')</a:t>
+            </a:r>
+          </a:p>
+          <a:p>
+            <a:pPr>
+              <a:spcBef>
+                <a:spcPts val="1200"/>
+              </a:spcBef>
+            </a:pPr>
+            <a:r>
+              <a:rPr lang="en-US" sz="2800" b="1" noProof="1" smtClean="0">
+                <a:solidFill>
+                  <a:srgbClr val="FBEEDC"/>
+                </a:solidFill>
+                <a:effectLst>
+                  <a:outerShdw blurRad="38100" dist="38100" dir="2700000" algn="tl">
+                    <a:srgbClr val="000000">
+                      <a:alpha val="43137"/>
+                    </a:srgbClr>
+                  </a:outerShdw>
+                </a:effectLst>
+                <a:latin typeface="Consolas" pitchFamily="49" charset="0"/>
+                <a:cs typeface="Consolas" pitchFamily="49" charset="0"/>
+              </a:rPr>
+              <a:t>sum </a:t>
+            </a:r>
+            <a:r>
+              <a:rPr lang="en-US" sz="2800" b="1" noProof="1">
+                <a:solidFill>
+                  <a:srgbClr val="FBEEDC"/>
+                </a:solidFill>
+                <a:effectLst>
+                  <a:outerShdw blurRad="38100" dist="38100" dir="2700000" algn="tl">
+                    <a:srgbClr val="000000">
+                      <a:alpha val="43137"/>
+                    </a:srgbClr>
+                  </a:outerShdw>
+                </a:effectLst>
+                <a:latin typeface="Consolas" pitchFamily="49" charset="0"/>
+                <a:cs typeface="Consolas" pitchFamily="49" charset="0"/>
+              </a:rPr>
               <a:t>= </a:t>
             </a:r>
             <a:r>
@@ -18256,7 +18074,7 @@
                 <a:latin typeface="Consolas" pitchFamily="49" charset="0"/>
                 <a:cs typeface="Consolas" pitchFamily="49" charset="0"/>
               </a:rPr>
-              <a:t>')</a:t>
+              <a:t>0</a:t>
             </a:r>
             <a:endParaRPr lang="en-US" sz="2800" b="1" noProof="1">
               <a:solidFill>
@@ -18275,6 +18093,23 @@
           </a:p>
           <a:p>
             <a:r>
+              <a:rPr lang="en-US" sz="2800" b="1" noProof="1">
+                <a:solidFill>
+                  <a:srgbClr val="FBEEDC"/>
+                </a:solidFill>
+                <a:effectLst>
+                  <a:outerShdw blurRad="38100" dist="38100" dir="2700000" algn="tl">
+                    <a:srgbClr val="000000">
+                      <a:alpha val="43137"/>
+                    </a:srgbClr>
+                  </a:outerShdw>
+                </a:effectLst>
+                <a:latin typeface="Consolas" pitchFamily="49" charset="0"/>
+                <a:cs typeface="Consolas" pitchFamily="49" charset="0"/>
+              </a:rPr>
+              <a:t>for </a:t>
+            </a:r>
+            <a:r>
               <a:rPr lang="en-US" sz="2800" b="1" noProof="1" smtClean="0">
                 <a:solidFill>
                   <a:srgbClr val="FBEEDC"/>
@@ -18289,24 +18124,24 @@
                 <a:latin typeface="Consolas" pitchFamily="49" charset="0"/>
                 <a:cs typeface="Consolas" pitchFamily="49" charset="0"/>
               </a:rPr>
-              <a:t>n </a:t>
-            </a:r>
-            <a:r>
-              <a:rPr lang="en-US" sz="2800" b="1" noProof="1">
-                <a:solidFill>
-                  <a:srgbClr val="FBEEDC"/>
-                </a:solidFill>
-                <a:effectLst>
-                  <a:outerShdw blurRad="38100" dist="38100" dir="2700000" algn="tl">
-                    <a:srgbClr val="000000">
-                      <a:alpha val="43137"/>
-                    </a:srgbClr>
-                  </a:outerShdw>
-                </a:effectLst>
-                <a:latin typeface="Consolas" pitchFamily="49" charset="0"/>
-                <a:cs typeface="Consolas" pitchFamily="49" charset="0"/>
-              </a:rPr>
-              <a:t>= </a:t>
+              <a:t>i in range</a:t>
+            </a:r>
+            <a:r>
+              <a:rPr lang="bg-BG" sz="2800" b="1" noProof="1" smtClean="0">
+                <a:solidFill>
+                  <a:srgbClr val="FBEEDC"/>
+                </a:solidFill>
+                <a:effectLst>
+                  <a:outerShdw blurRad="38100" dist="38100" dir="2700000" algn="tl">
+                    <a:srgbClr val="000000">
+                      <a:alpha val="43137"/>
+                    </a:srgbClr>
+                  </a:outerShdw>
+                </a:effectLst>
+                <a:latin typeface="Consolas" pitchFamily="49" charset="0"/>
+                <a:cs typeface="Consolas" pitchFamily="49" charset="0"/>
+              </a:rPr>
+              <a:t>(</a:t>
             </a:r>
             <a:r>
               <a:rPr lang="en-US" sz="2800" b="1" noProof="1" smtClean="0">
@@ -18323,10 +18158,42 @@
                 <a:latin typeface="Consolas" pitchFamily="49" charset="0"/>
                 <a:cs typeface="Consolas" pitchFamily="49" charset="0"/>
               </a:rPr>
-              <a:t>int(input())</a:t>
-            </a:r>
-          </a:p>
-          <a:p>
+              <a:t>0</a:t>
+            </a:r>
+            <a:r>
+              <a:rPr lang="bg-BG" sz="2800" b="1" noProof="1" smtClean="0">
+                <a:solidFill>
+                  <a:srgbClr val="FBEEDC"/>
+                </a:solidFill>
+                <a:effectLst>
+                  <a:outerShdw blurRad="38100" dist="38100" dir="2700000" algn="tl">
+                    <a:srgbClr val="000000">
+                      <a:alpha val="43137"/>
+                    </a:srgbClr>
+                  </a:outerShdw>
+                </a:effectLst>
+                <a:latin typeface="Consolas" pitchFamily="49" charset="0"/>
+                <a:cs typeface="Consolas" pitchFamily="49" charset="0"/>
+              </a:rPr>
+              <a:t>, </a:t>
+            </a:r>
+            <a:r>
+              <a:rPr lang="sv-SE" sz="2800" b="1" noProof="1" smtClean="0">
+                <a:solidFill>
+                  <a:srgbClr val="FBEEDC"/>
+                </a:solidFill>
+                <a:effectLst>
+                  <a:outerShdw blurRad="38100" dist="38100" dir="2700000" algn="tl">
+                    <a:srgbClr val="000000">
+                      <a:alpha val="43137"/>
+                    </a:srgbClr>
+                  </a:outerShdw>
+                </a:effectLst>
+                <a:latin typeface="Consolas" pitchFamily="49" charset="0"/>
+                <a:cs typeface="Consolas" pitchFamily="49" charset="0"/>
+              </a:rPr>
+              <a:t>n</a:t>
+            </a:r>
             <a:r>
               <a:rPr lang="en-US" sz="2800" b="1" noProof="1" smtClean="0">
                 <a:solidFill>
@@ -18342,130 +18209,7 @@
                 <a:latin typeface="Consolas" pitchFamily="49" charset="0"/>
                 <a:cs typeface="Consolas" pitchFamily="49" charset="0"/>
               </a:rPr>
-              <a:t>print</a:t>
-            </a:r>
-            <a:r>
-              <a:rPr lang="en-US" sz="2800" b="1" noProof="1" smtClean="0">
-                <a:solidFill>
-                  <a:srgbClr val="FBEEDC"/>
-                </a:solidFill>
-                <a:effectLst>
-                  <a:outerShdw blurRad="38100" dist="38100" dir="2700000" algn="tl">
-                    <a:srgbClr val="000000">
-                      <a:alpha val="43137"/>
-                    </a:srgbClr>
-                  </a:outerShdw>
-                </a:effectLst>
-                <a:latin typeface="Consolas" pitchFamily="49" charset="0"/>
-                <a:cs typeface="Consolas" pitchFamily="49" charset="0"/>
-              </a:rPr>
-              <a:t>('Enter </a:t>
-            </a:r>
-            <a:r>
-              <a:rPr lang="en-US" sz="2800" b="1" noProof="1" smtClean="0">
-                <a:solidFill>
-                  <a:srgbClr val="FBEEDC"/>
-                </a:solidFill>
-                <a:effectLst>
-                  <a:outerShdw blurRad="38100" dist="38100" dir="2700000" algn="tl">
-                    <a:srgbClr val="000000">
-                      <a:alpha val="43137"/>
-                    </a:srgbClr>
-                  </a:outerShdw>
-                </a:effectLst>
-                <a:latin typeface="Consolas" pitchFamily="49" charset="0"/>
-                <a:cs typeface="Consolas" pitchFamily="49" charset="0"/>
-              </a:rPr>
-              <a:t>the numbers</a:t>
-            </a:r>
-            <a:r>
-              <a:rPr lang="en-US" sz="2800" b="1" noProof="1" smtClean="0">
-                <a:solidFill>
-                  <a:srgbClr val="FBEEDC"/>
-                </a:solidFill>
-                <a:effectLst>
-                  <a:outerShdw blurRad="38100" dist="38100" dir="2700000" algn="tl">
-                    <a:srgbClr val="000000">
-                      <a:alpha val="43137"/>
-                    </a:srgbClr>
-                  </a:outerShdw>
-                </a:effectLst>
-                <a:latin typeface="Consolas" pitchFamily="49" charset="0"/>
-                <a:cs typeface="Consolas" pitchFamily="49" charset="0"/>
-              </a:rPr>
-              <a:t>:')</a:t>
-            </a:r>
-            <a:endParaRPr lang="en-US" sz="2800" b="1" noProof="1" smtClean="0">
-              <a:solidFill>
-                <a:srgbClr val="FBEEDC"/>
-              </a:solidFill>
-              <a:effectLst>
-                <a:outerShdw blurRad="38100" dist="38100" dir="2700000" algn="tl">
-                  <a:srgbClr val="000000">
-                    <a:alpha val="43137"/>
-                  </a:srgbClr>
-                </a:outerShdw>
-              </a:effectLst>
-              <a:latin typeface="Consolas" pitchFamily="49" charset="0"/>
-              <a:cs typeface="Consolas" pitchFamily="49" charset="0"/>
-            </a:endParaRPr>
-          </a:p>
-          <a:p>
-            <a:pPr>
-              <a:spcBef>
-                <a:spcPts val="1200"/>
-              </a:spcBef>
-            </a:pPr>
-            <a:r>
-              <a:rPr lang="en-US" sz="2800" b="1" noProof="1" smtClean="0">
-                <a:solidFill>
-                  <a:srgbClr val="FBEEDC"/>
-                </a:solidFill>
-                <a:effectLst>
-                  <a:outerShdw blurRad="38100" dist="38100" dir="2700000" algn="tl">
-                    <a:srgbClr val="000000">
-                      <a:alpha val="43137"/>
-                    </a:srgbClr>
-                  </a:outerShdw>
-                </a:effectLst>
-                <a:latin typeface="Consolas" pitchFamily="49" charset="0"/>
-                <a:cs typeface="Consolas" pitchFamily="49" charset="0"/>
-              </a:rPr>
-              <a:t>sum </a:t>
-            </a:r>
-            <a:r>
-              <a:rPr lang="en-US" sz="2800" b="1" noProof="1">
-                <a:solidFill>
-                  <a:srgbClr val="FBEEDC"/>
-                </a:solidFill>
-                <a:effectLst>
-                  <a:outerShdw blurRad="38100" dist="38100" dir="2700000" algn="tl">
-                    <a:srgbClr val="000000">
-                      <a:alpha val="43137"/>
-                    </a:srgbClr>
-                  </a:outerShdw>
-                </a:effectLst>
-                <a:latin typeface="Consolas" pitchFamily="49" charset="0"/>
-                <a:cs typeface="Consolas" pitchFamily="49" charset="0"/>
-              </a:rPr>
-              <a:t>= </a:t>
-            </a:r>
-            <a:r>
-              <a:rPr lang="en-US" sz="2800" b="1" noProof="1" smtClean="0">
-                <a:solidFill>
-                  <a:srgbClr val="FBEEDC"/>
-                </a:solidFill>
-                <a:effectLst>
-                  <a:outerShdw blurRad="38100" dist="38100" dir="2700000" algn="tl">
-                    <a:srgbClr val="000000">
-                      <a:alpha val="43137"/>
-                    </a:srgbClr>
-                  </a:outerShdw>
-                </a:effectLst>
-                <a:latin typeface="Consolas" pitchFamily="49" charset="0"/>
-                <a:cs typeface="Consolas" pitchFamily="49" charset="0"/>
-              </a:rPr>
-              <a:t>0</a:t>
+              <a:t>):</a:t>
             </a:r>
             <a:endParaRPr lang="en-US" sz="2800" b="1" noProof="1">
               <a:solidFill>
@@ -18484,6 +18228,23 @@
           </a:p>
           <a:p>
             <a:r>
+              <a:rPr lang="en-US" sz="2800" b="1" noProof="1" smtClean="0">
+                <a:solidFill>
+                  <a:srgbClr val="FBEEDC"/>
+                </a:solidFill>
+                <a:effectLst>
+                  <a:outerShdw blurRad="38100" dist="38100" dir="2700000" algn="tl">
+                    <a:srgbClr val="000000">
+                      <a:alpha val="43137"/>
+                    </a:srgbClr>
+                  </a:outerShdw>
+                </a:effectLst>
+                <a:latin typeface="Consolas" pitchFamily="49" charset="0"/>
+                <a:cs typeface="Consolas" pitchFamily="49" charset="0"/>
+              </a:rPr>
+              <a:t>   sum </a:t>
+            </a:r>
+            <a:r>
               <a:rPr lang="en-US" sz="2800" b="1" noProof="1">
                 <a:solidFill>
                   <a:srgbClr val="FBEEDC"/>
@@ -18498,7 +18259,7 @@
                 <a:latin typeface="Consolas" pitchFamily="49" charset="0"/>
                 <a:cs typeface="Consolas" pitchFamily="49" charset="0"/>
               </a:rPr>
-              <a:t>for </a:t>
+              <a:t>= </a:t>
             </a:r>
             <a:r>
               <a:rPr lang="en-US" sz="2800" b="1" noProof="1" smtClean="0">
@@ -18515,92 +18276,7 @@
                 <a:latin typeface="Consolas" pitchFamily="49" charset="0"/>
                 <a:cs typeface="Consolas" pitchFamily="49" charset="0"/>
               </a:rPr>
-              <a:t>i in range</a:t>
-            </a:r>
-            <a:r>
-              <a:rPr lang="bg-BG" sz="2800" b="1" noProof="1" smtClean="0">
-                <a:solidFill>
-                  <a:srgbClr val="FBEEDC"/>
-                </a:solidFill>
-                <a:effectLst>
-                  <a:outerShdw blurRad="38100" dist="38100" dir="2700000" algn="tl">
-                    <a:srgbClr val="000000">
-                      <a:alpha val="43137"/>
-                    </a:srgbClr>
-                  </a:outerShdw>
-                </a:effectLst>
-                <a:latin typeface="Consolas" pitchFamily="49" charset="0"/>
-                <a:cs typeface="Consolas" pitchFamily="49" charset="0"/>
-              </a:rPr>
-              <a:t>(</a:t>
-            </a:r>
-            <a:r>
-              <a:rPr lang="en-US" sz="2800" b="1" noProof="1" smtClean="0">
-                <a:solidFill>
-                  <a:srgbClr val="FBEEDC"/>
-                </a:solidFill>
-                <a:effectLst>
-                  <a:outerShdw blurRad="38100" dist="38100" dir="2700000" algn="tl">
-                    <a:srgbClr val="000000">
-                      <a:alpha val="43137"/>
-                    </a:srgbClr>
-                  </a:outerShdw>
-                </a:effectLst>
-                <a:latin typeface="Consolas" pitchFamily="49" charset="0"/>
-                <a:cs typeface="Consolas" pitchFamily="49" charset="0"/>
-              </a:rPr>
-              <a:t>0</a:t>
-            </a:r>
-            <a:r>
-              <a:rPr lang="bg-BG" sz="2800" b="1" noProof="1" smtClean="0">
-                <a:solidFill>
-                  <a:srgbClr val="FBEEDC"/>
-                </a:solidFill>
-                <a:effectLst>
-                  <a:outerShdw blurRad="38100" dist="38100" dir="2700000" algn="tl">
-                    <a:srgbClr val="000000">
-                      <a:alpha val="43137"/>
-                    </a:srgbClr>
-                  </a:outerShdw>
-                </a:effectLst>
-                <a:latin typeface="Consolas" pitchFamily="49" charset="0"/>
-                <a:cs typeface="Consolas" pitchFamily="49" charset="0"/>
-              </a:rPr>
-              <a:t>, </a:t>
-            </a:r>
-            <a:r>
-              <a:rPr lang="sv-SE" sz="2800" b="1" noProof="1" smtClean="0">
-                <a:solidFill>
-                  <a:srgbClr val="FBEEDC"/>
-                </a:solidFill>
-                <a:effectLst>
-                  <a:outerShdw blurRad="38100" dist="38100" dir="2700000" algn="tl">
-                    <a:srgbClr val="000000">
-                      <a:alpha val="43137"/>
-                    </a:srgbClr>
-                  </a:outerShdw>
-                </a:effectLst>
-                <a:latin typeface="Consolas" pitchFamily="49" charset="0"/>
-                <a:cs typeface="Consolas" pitchFamily="49" charset="0"/>
-              </a:rPr>
-              <a:t>n</a:t>
-            </a:r>
-            <a:r>
-              <a:rPr lang="en-US" sz="2800" b="1" noProof="1" smtClean="0">
-                <a:solidFill>
-                  <a:srgbClr val="FBEEDC"/>
-                </a:solidFill>
-                <a:effectLst>
-                  <a:outerShdw blurRad="38100" dist="38100" dir="2700000" algn="tl">
-                    <a:srgbClr val="000000">
-                      <a:alpha val="43137"/>
-                    </a:srgbClr>
-                  </a:outerShdw>
-                </a:effectLst>
-                <a:latin typeface="Consolas" pitchFamily="49" charset="0"/>
-                <a:cs typeface="Consolas" pitchFamily="49" charset="0"/>
-              </a:rPr>
-              <a:t>):</a:t>
+              <a:t>int(input())</a:t>
             </a:r>
             <a:endParaRPr lang="en-US" sz="2800" b="1" noProof="1">
               <a:solidFill>
@@ -18633,7 +18309,7 @@
                 <a:latin typeface="Consolas" pitchFamily="49" charset="0"/>
                 <a:cs typeface="Consolas" pitchFamily="49" charset="0"/>
               </a:rPr>
-              <a:t>   sum </a:t>
+              <a:t>   </a:t>
             </a:r>
             <a:r>
               <a:rPr lang="en-US" sz="2800" b="1" noProof="1">
@@ -18650,7 +18326,7 @@
                 <a:latin typeface="Consolas" pitchFamily="49" charset="0"/>
                 <a:cs typeface="Consolas" pitchFamily="49" charset="0"/>
               </a:rPr>
-              <a:t>= </a:t>
+              <a:t>sum = sum + </a:t>
             </a:r>
             <a:r>
               <a:rPr lang="en-US" sz="2800" b="1" noProof="1" smtClean="0">
@@ -18667,7 +18343,7 @@
                 <a:latin typeface="Consolas" pitchFamily="49" charset="0"/>
                 <a:cs typeface="Consolas" pitchFamily="49" charset="0"/>
               </a:rPr>
-              <a:t>int(input())</a:t>
+              <a:t>num</a:t>
             </a:r>
             <a:endParaRPr lang="en-US" sz="2800" b="1" noProof="1">
               <a:solidFill>
@@ -18685,73 +18361,6 @@
             </a:endParaRPr>
           </a:p>
           <a:p>
-            <a:r>
-              <a:rPr lang="en-US" sz="2800" b="1" noProof="1" smtClean="0">
-                <a:solidFill>
-                  <a:srgbClr val="FBEEDC"/>
-                </a:solidFill>
-                <a:effectLst>
-                  <a:outerShdw blurRad="38100" dist="38100" dir="2700000" algn="tl">
-                    <a:srgbClr val="000000">
-                      <a:alpha val="43137"/>
-                    </a:srgbClr>
-                  </a:outerShdw>
-                </a:effectLst>
-                <a:latin typeface="Consolas" pitchFamily="49" charset="0"/>
-                <a:cs typeface="Consolas" pitchFamily="49" charset="0"/>
-              </a:rPr>
-              <a:t>   </a:t>
-            </a:r>
-            <a:r>
-              <a:rPr lang="en-US" sz="2800" b="1" noProof="1">
-                <a:solidFill>
-                  <a:srgbClr val="FBEEDC"/>
-                </a:solidFill>
-                <a:effectLst>
-                  <a:outerShdw blurRad="38100" dist="38100" dir="2700000" algn="tl">
-                    <a:srgbClr val="000000">
-                      <a:alpha val="43137"/>
-                    </a:srgbClr>
-                  </a:outerShdw>
-                </a:effectLst>
-                <a:latin typeface="Consolas" pitchFamily="49" charset="0"/>
-                <a:cs typeface="Consolas" pitchFamily="49" charset="0"/>
-              </a:rPr>
-              <a:t>sum = sum + </a:t>
-            </a:r>
-            <a:r>
-              <a:rPr lang="en-US" sz="2800" b="1" noProof="1" smtClean="0">
-                <a:solidFill>
-                  <a:srgbClr val="FBEEDC"/>
-                </a:solidFill>
-                <a:effectLst>
-                  <a:outerShdw blurRad="38100" dist="38100" dir="2700000" algn="tl">
-                    <a:srgbClr val="000000">
-                      <a:alpha val="43137"/>
-                    </a:srgbClr>
-                  </a:outerShdw>
-                </a:effectLst>
-                <a:latin typeface="Consolas" pitchFamily="49" charset="0"/>
-                <a:cs typeface="Consolas" pitchFamily="49" charset="0"/>
-              </a:rPr>
-              <a:t>num</a:t>
-            </a:r>
-            <a:endParaRPr lang="en-US" sz="2800" b="1" noProof="1">
-              <a:solidFill>
-                <a:srgbClr val="FBEEDC"/>
-              </a:solidFill>
-              <a:effectLst>
-                <a:outerShdw blurRad="38100" dist="38100" dir="2700000" algn="tl">
-                  <a:srgbClr val="000000">
-                    <a:alpha val="43137"/>
-                  </a:srgbClr>
-                </a:outerShdw>
-              </a:effectLst>
-              <a:latin typeface="Consolas" pitchFamily="49" charset="0"/>
-              <a:cs typeface="Consolas" pitchFamily="49" charset="0"/>
-            </a:endParaRPr>
-          </a:p>
-          <a:p>
             <a:pPr>
               <a:spcBef>
                 <a:spcPts val="1200"/>
@@ -18772,24 +18381,7 @@
                 <a:latin typeface="Consolas" pitchFamily="49" charset="0"/>
                 <a:cs typeface="Consolas" pitchFamily="49" charset="0"/>
               </a:rPr>
-              <a:t>print</a:t>
-            </a:r>
-            <a:r>
-              <a:rPr lang="en-US" sz="2800" b="1" noProof="1" smtClean="0">
-                <a:solidFill>
-                  <a:srgbClr val="FBEEDC"/>
-                </a:solidFill>
-                <a:effectLst>
-                  <a:outerShdw blurRad="38100" dist="38100" dir="2700000" algn="tl">
-                    <a:srgbClr val="000000">
-                      <a:alpha val="43137"/>
-                    </a:srgbClr>
-                  </a:outerShdw>
-                </a:effectLst>
-                <a:latin typeface="Consolas" pitchFamily="49" charset="0"/>
-                <a:cs typeface="Consolas" pitchFamily="49" charset="0"/>
-              </a:rPr>
-              <a:t>('sum </a:t>
+              <a:t>print('sum </a:t>
             </a:r>
             <a:r>
               <a:rPr lang="en-US" sz="2800" b="1" noProof="1">
@@ -18932,7 +18524,7 @@
         </p:nvSpPr>
         <p:spPr bwMode="auto">
           <a:xfrm>
-            <a:off x="6780212" y="1885793"/>
+            <a:off x="6780212" y="2206463"/>
             <a:ext cx="4343400" cy="1384995"/>
           </a:xfrm>
           <a:prstGeom prst="rect">
@@ -19057,7 +18649,7 @@
         </p:nvSpPr>
         <p:spPr bwMode="auto">
           <a:xfrm>
-            <a:off x="6780212" y="3489330"/>
+            <a:off x="6780212" y="3810000"/>
             <a:ext cx="4343400" cy="1384995"/>
           </a:xfrm>
           <a:prstGeom prst="rect">

--- a/5. Loops/5. Loops.pptx
+++ b/5. Loops/5. Loops.pptx
@@ -247,7 +247,7 @@
             <a:fld id="{FE5B4EDC-59C0-49C7-8ADA-5A781B329E02}" type="datetimeFigureOut">
               <a:rPr lang="en-US"/>
               <a:pPr/>
-              <a:t>2/14/2017</a:t>
+              <a:t>2/19/2017</a:t>
             </a:fld>
             <a:endParaRPr dirty="0"/>
           </a:p>
@@ -446,7 +446,7 @@
             <a:fld id="{F2D8D46A-B586-417D-BFBD-8C8FE0AAF762}" type="datetimeFigureOut">
               <a:rPr lang="en-US" smtClean="0"/>
               <a:pPr/>
-              <a:t>2/14/2017</a:t>
+              <a:t>2/19/2017</a:t>
             </a:fld>
             <a:endParaRPr lang="en-US"/>
           </a:p>
@@ -2196,7 +2196,7 @@
             <a:fld id="{055373AC-9AA7-423B-BA00-BA1C74164DBD}" type="datetime1">
               <a:rPr lang="en-US" smtClean="0"/>
               <a:pPr/>
-              <a:t>2/14/2017</a:t>
+              <a:t>2/19/2017</a:t>
             </a:fld>
             <a:endParaRPr lang="en-US" dirty="0"/>
           </a:p>
@@ -3470,7 +3470,7 @@
             <a:fld id="{055373AC-9AA7-423B-BA00-BA1C74164DBD}" type="datetime1">
               <a:rPr lang="en-US" smtClean="0"/>
               <a:pPr/>
-              <a:t>2/14/2017</a:t>
+              <a:t>2/19/2017</a:t>
             </a:fld>
             <a:endParaRPr lang="en-US" dirty="0"/>
           </a:p>
@@ -4656,20 +4656,6 @@
               </a:rPr>
               <a:t>('n = '))</a:t>
             </a:r>
-            <a:endParaRPr lang="en-US" sz="3000" b="1" noProof="1">
-              <a:solidFill>
-                <a:srgbClr val="FBEEDC"/>
-              </a:solidFill>
-              <a:effectLst>
-                <a:outerShdw blurRad="38100" dist="38100" dir="2700000" algn="tl">
-                  <a:srgbClr val="000000">
-                    <a:alpha val="43137"/>
-                  </a:srgbClr>
-                </a:outerShdw>
-              </a:effectLst>
-              <a:latin typeface="Consolas" pitchFamily="49" charset="0"/>
-              <a:cs typeface="Consolas" pitchFamily="49" charset="0"/>
-            </a:endParaRPr>
           </a:p>
           <a:p>
             <a:r>
@@ -7288,8 +7274,12 @@
               <a:t>сумата</a:t>
             </a:r>
             <a:r>
+              <a:rPr lang="bg-BG" sz="3000" dirty="0"/>
+              <a:t>, иначе </a:t>
+            </a:r>
+            <a:r>
               <a:rPr lang="bg-BG" sz="3000" dirty="0" smtClean="0"/>
-              <a:t> иначе печата </a:t>
+              <a:t>печата </a:t>
             </a:r>
             <a:r>
               <a:rPr lang="en-US" sz="3000" dirty="0" smtClean="0"/>
@@ -10864,7 +10854,41 @@
                 <a:latin typeface="Consolas" pitchFamily="49" charset="0"/>
                 <a:cs typeface="Consolas" pitchFamily="49" charset="0"/>
               </a:rPr>
-              <a:t>for i in range(n)</a:t>
+              <a:t>for i in range(n</a:t>
+            </a:r>
+            <a:r>
+              <a:rPr lang="en-US" sz="2800" b="1" noProof="1" smtClean="0">
+                <a:solidFill>
+                  <a:srgbClr val="FBEEDC"/>
+                </a:solidFill>
+                <a:effectLst>
+                  <a:outerShdw blurRad="38100" dist="38100" dir="2700000" algn="tl">
+                    <a:srgbClr val="000000">
+                      <a:alpha val="43137"/>
+                    </a:srgbClr>
+                  </a:outerShdw>
+                </a:effectLst>
+                <a:latin typeface="Consolas" pitchFamily="49" charset="0"/>
+                <a:cs typeface="Consolas" pitchFamily="49" charset="0"/>
+              </a:rPr>
+              <a:t>)</a:t>
+            </a:r>
+            <a:r>
+              <a:rPr lang="bg-BG" sz="2800" b="1" noProof="1" smtClean="0">
+                <a:solidFill>
+                  <a:srgbClr val="FBEEDC"/>
+                </a:solidFill>
+                <a:effectLst>
+                  <a:outerShdw blurRad="38100" dist="38100" dir="2700000" algn="tl">
+                    <a:srgbClr val="000000">
+                      <a:alpha val="43137"/>
+                    </a:srgbClr>
+                  </a:outerShdw>
+                </a:effectLst>
+                <a:latin typeface="Consolas" pitchFamily="49" charset="0"/>
+                <a:cs typeface="Consolas" pitchFamily="49" charset="0"/>
+              </a:rPr>
+              <a:t>:</a:t>
             </a:r>
             <a:endParaRPr lang="en-US" sz="2800" b="1" noProof="1">
               <a:solidFill>
@@ -15052,246 +15076,9 @@
   <p:timing>
     <p:tnLst>
       <p:par>
-        <p:cTn id="1" dur="indefinite" restart="never" nodeType="tmRoot">
-          <p:childTnLst>
-            <p:seq concurrent="1" nextAc="seek">
-              <p:cTn id="2" dur="indefinite" nodeType="mainSeq">
-                <p:childTnLst>
-                  <p:par>
-                    <p:cTn id="3" fill="hold">
-                      <p:stCondLst>
-                        <p:cond delay="indefinite"/>
-                      </p:stCondLst>
-                      <p:childTnLst>
-                        <p:par>
-                          <p:cTn id="4" fill="hold">
-                            <p:stCondLst>
-                              <p:cond delay="0"/>
-                            </p:stCondLst>
-                            <p:childTnLst>
-                              <p:par>
-                                <p:cTn id="5" presetID="1" presetClass="entr" presetSubtype="0" fill="hold" grpId="0" nodeType="clickEffect">
-                                  <p:stCondLst>
-                                    <p:cond delay="0"/>
-                                  </p:stCondLst>
-                                  <p:childTnLst>
-                                    <p:set>
-                                      <p:cBhvr>
-                                        <p:cTn id="6" dur="1" fill="hold">
-                                          <p:stCondLst>
-                                            <p:cond delay="0"/>
-                                          </p:stCondLst>
-                                        </p:cTn>
-                                        <p:tgtEl>
-                                          <p:spTgt spid="9"/>
-                                        </p:tgtEl>
-                                        <p:attrNameLst>
-                                          <p:attrName>style.visibility</p:attrName>
-                                        </p:attrNameLst>
-                                      </p:cBhvr>
-                                      <p:to>
-                                        <p:strVal val="visible"/>
-                                      </p:to>
-                                    </p:set>
-                                  </p:childTnLst>
-                                </p:cTn>
-                              </p:par>
-                            </p:childTnLst>
-                          </p:cTn>
-                        </p:par>
-                      </p:childTnLst>
-                    </p:cTn>
-                  </p:par>
-                  <p:par>
-                    <p:cTn id="7" fill="hold">
-                      <p:stCondLst>
-                        <p:cond delay="indefinite"/>
-                      </p:stCondLst>
-                      <p:childTnLst>
-                        <p:par>
-                          <p:cTn id="8" fill="hold">
-                            <p:stCondLst>
-                              <p:cond delay="0"/>
-                            </p:stCondLst>
-                            <p:childTnLst>
-                              <p:par>
-                                <p:cTn id="9" presetID="1" presetClass="entr" presetSubtype="0" fill="hold" grpId="0" nodeType="clickEffect">
-                                  <p:stCondLst>
-                                    <p:cond delay="0"/>
-                                  </p:stCondLst>
-                                  <p:childTnLst>
-                                    <p:set>
-                                      <p:cBhvr>
-                                        <p:cTn id="10" dur="1" fill="hold">
-                                          <p:stCondLst>
-                                            <p:cond delay="0"/>
-                                          </p:stCondLst>
-                                        </p:cTn>
-                                        <p:tgtEl>
-                                          <p:spTgt spid="11"/>
-                                        </p:tgtEl>
-                                        <p:attrNameLst>
-                                          <p:attrName>style.visibility</p:attrName>
-                                        </p:attrNameLst>
-                                      </p:cBhvr>
-                                      <p:to>
-                                        <p:strVal val="visible"/>
-                                      </p:to>
-                                    </p:set>
-                                  </p:childTnLst>
-                                </p:cTn>
-                              </p:par>
-                            </p:childTnLst>
-                          </p:cTn>
-                        </p:par>
-                      </p:childTnLst>
-                    </p:cTn>
-                  </p:par>
-                  <p:par>
-                    <p:cTn id="11" fill="hold">
-                      <p:stCondLst>
-                        <p:cond delay="indefinite"/>
-                      </p:stCondLst>
-                      <p:childTnLst>
-                        <p:par>
-                          <p:cTn id="12" fill="hold">
-                            <p:stCondLst>
-                              <p:cond delay="0"/>
-                            </p:stCondLst>
-                            <p:childTnLst>
-                              <p:par>
-                                <p:cTn id="13" presetID="1" presetClass="entr" presetSubtype="0" fill="hold" grpId="0" nodeType="clickEffect">
-                                  <p:stCondLst>
-                                    <p:cond delay="0"/>
-                                  </p:stCondLst>
-                                  <p:childTnLst>
-                                    <p:set>
-                                      <p:cBhvr>
-                                        <p:cTn id="14" dur="1" fill="hold">
-                                          <p:stCondLst>
-                                            <p:cond delay="0"/>
-                                          </p:stCondLst>
-                                        </p:cTn>
-                                        <p:tgtEl>
-                                          <p:spTgt spid="13"/>
-                                        </p:tgtEl>
-                                        <p:attrNameLst>
-                                          <p:attrName>style.visibility</p:attrName>
-                                        </p:attrNameLst>
-                                      </p:cBhvr>
-                                      <p:to>
-                                        <p:strVal val="visible"/>
-                                      </p:to>
-                                    </p:set>
-                                  </p:childTnLst>
-                                </p:cTn>
-                              </p:par>
-                            </p:childTnLst>
-                          </p:cTn>
-                        </p:par>
-                      </p:childTnLst>
-                    </p:cTn>
-                  </p:par>
-                  <p:par>
-                    <p:cTn id="15" fill="hold">
-                      <p:stCondLst>
-                        <p:cond delay="indefinite"/>
-                      </p:stCondLst>
-                      <p:childTnLst>
-                        <p:par>
-                          <p:cTn id="16" fill="hold">
-                            <p:stCondLst>
-                              <p:cond delay="0"/>
-                            </p:stCondLst>
-                            <p:childTnLst>
-                              <p:par>
-                                <p:cTn id="17" presetID="1" presetClass="entr" presetSubtype="0" fill="hold" grpId="0" nodeType="clickEffect">
-                                  <p:stCondLst>
-                                    <p:cond delay="0"/>
-                                  </p:stCondLst>
-                                  <p:childTnLst>
-                                    <p:set>
-                                      <p:cBhvr>
-                                        <p:cTn id="18" dur="1" fill="hold">
-                                          <p:stCondLst>
-                                            <p:cond delay="0"/>
-                                          </p:stCondLst>
-                                        </p:cTn>
-                                        <p:tgtEl>
-                                          <p:spTgt spid="14"/>
-                                        </p:tgtEl>
-                                        <p:attrNameLst>
-                                          <p:attrName>style.visibility</p:attrName>
-                                        </p:attrNameLst>
-                                      </p:cBhvr>
-                                      <p:to>
-                                        <p:strVal val="visible"/>
-                                      </p:to>
-                                    </p:set>
-                                  </p:childTnLst>
-                                </p:cTn>
-                              </p:par>
-                              <p:par>
-                                <p:cTn id="19" presetID="1" presetClass="entr" presetSubtype="0" fill="hold" grpId="0" nodeType="withEffect">
-                                  <p:stCondLst>
-                                    <p:cond delay="0"/>
-                                  </p:stCondLst>
-                                  <p:childTnLst>
-                                    <p:set>
-                                      <p:cBhvr>
-                                        <p:cTn id="20" dur="1" fill="hold">
-                                          <p:stCondLst>
-                                            <p:cond delay="0"/>
-                                          </p:stCondLst>
-                                        </p:cTn>
-                                        <p:tgtEl>
-                                          <p:spTgt spid="10"/>
-                                        </p:tgtEl>
-                                        <p:attrNameLst>
-                                          <p:attrName>style.visibility</p:attrName>
-                                        </p:attrNameLst>
-                                      </p:cBhvr>
-                                      <p:to>
-                                        <p:strVal val="visible"/>
-                                      </p:to>
-                                    </p:set>
-                                  </p:childTnLst>
-                                </p:cTn>
-                              </p:par>
-                            </p:childTnLst>
-                          </p:cTn>
-                        </p:par>
-                      </p:childTnLst>
-                    </p:cTn>
-                  </p:par>
-                </p:childTnLst>
-              </p:cTn>
-              <p:prevCondLst>
-                <p:cond evt="onPrev" delay="0">
-                  <p:tgtEl>
-                    <p:sldTgt/>
-                  </p:tgtEl>
-                </p:cond>
-              </p:prevCondLst>
-              <p:nextCondLst>
-                <p:cond evt="onNext" delay="0">
-                  <p:tgtEl>
-                    <p:sldTgt/>
-                  </p:tgtEl>
-                </p:cond>
-              </p:nextCondLst>
-            </p:seq>
-          </p:childTnLst>
-        </p:cTn>
+        <p:cTn id="1" dur="indefinite" restart="never" nodeType="tmRoot"/>
       </p:par>
     </p:tnLst>
-    <p:bldLst>
-      <p:bldP spid="10" grpId="0" animBg="1"/>
-      <p:bldP spid="9" grpId="0" animBg="1"/>
-      <p:bldP spid="11" grpId="0" animBg="1"/>
-      <p:bldP spid="13" grpId="0" animBg="1"/>
-      <p:bldP spid="14" grpId="0" animBg="1"/>
-    </p:bldLst>
   </p:timing>
 </p:sld>
 </file>
@@ -16722,7 +16509,15 @@
             <a:pPr lvl="1"/>
             <a:r>
               <a:rPr lang="bg-BG" dirty="0" smtClean="0"/>
-              <a:t>От първия ред на входа се въвежда броят числа </a:t>
+              <a:t>От първия ред на входа се въвежда </a:t>
+            </a:r>
+            <a:r>
+              <a:rPr lang="bg-BG" dirty="0" smtClean="0"/>
+              <a:t>броя </a:t>
+            </a:r>
+            <a:r>
+              <a:rPr lang="bg-BG" dirty="0" smtClean="0"/>
+              <a:t>числа </a:t>
             </a:r>
             <a:r>
               <a:rPr lang="en-US" b="1" dirty="0" smtClean="0">

--- a/5. Loops/5. Loops.pptx
+++ b/5. Loops/5. Loops.pptx
@@ -247,7 +247,7 @@
             <a:fld id="{FE5B4EDC-59C0-49C7-8ADA-5A781B329E02}" type="datetimeFigureOut">
               <a:rPr lang="en-US"/>
               <a:pPr/>
-              <a:t>2/19/2017</a:t>
+              <a:t>2/28/2017</a:t>
             </a:fld>
             <a:endParaRPr dirty="0"/>
           </a:p>
@@ -446,7 +446,7 @@
             <a:fld id="{F2D8D46A-B586-417D-BFBD-8C8FE0AAF762}" type="datetimeFigureOut">
               <a:rPr lang="en-US" smtClean="0"/>
               <a:pPr/>
-              <a:t>2/19/2017</a:t>
+              <a:t>2/28/2017</a:t>
             </a:fld>
             <a:endParaRPr lang="en-US"/>
           </a:p>
@@ -2196,7 +2196,7 @@
             <a:fld id="{055373AC-9AA7-423B-BA00-BA1C74164DBD}" type="datetime1">
               <a:rPr lang="en-US" smtClean="0"/>
               <a:pPr/>
-              <a:t>2/19/2017</a:t>
+              <a:t>2/28/2017</a:t>
             </a:fld>
             <a:endParaRPr lang="en-US" dirty="0"/>
           </a:p>
@@ -3470,7 +3470,7 @@
             <a:fld id="{055373AC-9AA7-423B-BA00-BA1C74164DBD}" type="datetime1">
               <a:rPr lang="en-US" smtClean="0"/>
               <a:pPr/>
-              <a:t>2/19/2017</a:t>
+              <a:t>2/28/2017</a:t>
             </a:fld>
             <a:endParaRPr lang="en-US" dirty="0"/>
           </a:p>
@@ -8772,22 +8772,36 @@
               </a:lnSpc>
             </a:pPr>
             <a:r>
-              <a:rPr lang="en-US" sz="2700" b="1" noProof="1">
-                <a:solidFill>
-                  <a:srgbClr val="FBEEDC"/>
-                </a:solidFill>
-                <a:effectLst>
-                  <a:outerShdw blurRad="38100" dist="38100" dir="2700000" algn="tl">
-                    <a:srgbClr val="000000">
-                      <a:alpha val="43137"/>
-                    </a:srgbClr>
-                  </a:outerShdw>
-                </a:effectLst>
-                <a:latin typeface="Consolas" pitchFamily="49" charset="0"/>
-                <a:cs typeface="Consolas" pitchFamily="49" charset="0"/>
-              </a:rPr>
-              <a:t>else</a:t>
-            </a:r>
+              <a:rPr lang="en-US" sz="2700" b="1" noProof="1" smtClean="0">
+                <a:solidFill>
+                  <a:srgbClr val="FBEEDC"/>
+                </a:solidFill>
+                <a:effectLst>
+                  <a:outerShdw blurRad="38100" dist="38100" dir="2700000" algn="tl">
+                    <a:srgbClr val="000000">
+                      <a:alpha val="43137"/>
+                    </a:srgbClr>
+                  </a:outerShdw>
+                </a:effectLst>
+                <a:latin typeface="Consolas" pitchFamily="49" charset="0"/>
+                <a:cs typeface="Consolas" pitchFamily="49" charset="0"/>
+              </a:rPr>
+              <a:t>else:</a:t>
+            </a:r>
+            <a:endParaRPr lang="en-US" sz="2700" b="1" noProof="1">
+              <a:solidFill>
+                <a:srgbClr val="FBEEDC"/>
+              </a:solidFill>
+              <a:effectLst>
+                <a:outerShdw blurRad="38100" dist="38100" dir="2700000" algn="tl">
+                  <a:srgbClr val="000000">
+                    <a:alpha val="43137"/>
+                  </a:srgbClr>
+                </a:outerShdw>
+              </a:effectLst>
+              <a:latin typeface="Consolas" pitchFamily="49" charset="0"/>
+              <a:cs typeface="Consolas" pitchFamily="49" charset="0"/>
+            </a:endParaRPr>
           </a:p>
           <a:p>
             <a:pPr>
@@ -10854,24 +10868,7 @@
                 <a:latin typeface="Consolas" pitchFamily="49" charset="0"/>
                 <a:cs typeface="Consolas" pitchFamily="49" charset="0"/>
               </a:rPr>
-              <a:t>for i in range(n</a:t>
-            </a:r>
-            <a:r>
-              <a:rPr lang="en-US" sz="2800" b="1" noProof="1" smtClean="0">
-                <a:solidFill>
-                  <a:srgbClr val="FBEEDC"/>
-                </a:solidFill>
-                <a:effectLst>
-                  <a:outerShdw blurRad="38100" dist="38100" dir="2700000" algn="tl">
-                    <a:srgbClr val="000000">
-                      <a:alpha val="43137"/>
-                    </a:srgbClr>
-                  </a:outerShdw>
-                </a:effectLst>
-                <a:latin typeface="Consolas" pitchFamily="49" charset="0"/>
-                <a:cs typeface="Consolas" pitchFamily="49" charset="0"/>
-              </a:rPr>
-              <a:t>)</a:t>
+              <a:t>for i in range(n)</a:t>
             </a:r>
             <a:r>
               <a:rPr lang="bg-BG" sz="2800" b="1" noProof="1" smtClean="0">
@@ -12514,7 +12511,7 @@
       </p:pic>
       <p:sp>
         <p:nvSpPr>
-          <p:cNvPr id="11" name="Rectangle 5"/>
+          <p:cNvPr id="12" name="Rectangle 5"/>
           <p:cNvSpPr>
             <a:spLocks noChangeArrowheads="1"/>
           </p:cNvSpPr>
@@ -12522,8 +12519,8 @@
         </p:nvSpPr>
         <p:spPr bwMode="auto">
           <a:xfrm>
-            <a:off x="757314" y="3189316"/>
-            <a:ext cx="6723899" cy="769441"/>
+            <a:off x="732777" y="3145121"/>
+            <a:ext cx="6837072" cy="954107"/>
           </a:xfrm>
           <a:prstGeom prst="rect">
             <a:avLst/>
@@ -12549,19 +12546,130 @@
           <a:lstStyle/>
           <a:p>
             <a:r>
-              <a:rPr lang="en-US" sz="4400" b="1" noProof="1" smtClean="0">
-                <a:effectLst>
-                  <a:outerShdw blurRad="38100" dist="38100" dir="2700000" algn="tl">
-                    <a:srgbClr val="000000">
-                      <a:alpha val="43137"/>
-                    </a:srgbClr>
-                  </a:outerShdw>
-                </a:effectLst>
-                <a:latin typeface="Consolas" pitchFamily="49" charset="0"/>
-                <a:cs typeface="Consolas" pitchFamily="49" charset="0"/>
-              </a:rPr>
-              <a:t>range(n, m) == [n, m)</a:t>
-            </a:r>
+              <a:rPr lang="en-US" sz="2800" b="1" noProof="1" smtClean="0">
+                <a:effectLst>
+                  <a:outerShdw blurRad="38100" dist="38100" dir="2700000" algn="tl">
+                    <a:srgbClr val="000000">
+                      <a:alpha val="43137"/>
+                    </a:srgbClr>
+                  </a:outerShdw>
+                </a:effectLst>
+                <a:latin typeface="Consolas" pitchFamily="49" charset="0"/>
+                <a:cs typeface="Consolas" pitchFamily="49" charset="0"/>
+              </a:rPr>
+              <a:t>range(n</a:t>
+            </a:r>
+            <a:r>
+              <a:rPr lang="en-US" sz="2800" b="1" noProof="1" smtClean="0">
+                <a:effectLst>
+                  <a:outerShdw blurRad="38100" dist="38100" dir="2700000" algn="tl">
+                    <a:srgbClr val="000000">
+                      <a:alpha val="43137"/>
+                    </a:srgbClr>
+                  </a:outerShdw>
+                </a:effectLst>
+                <a:latin typeface="Consolas" pitchFamily="49" charset="0"/>
+                <a:cs typeface="Consolas" pitchFamily="49" charset="0"/>
+              </a:rPr>
+              <a:t>, m</a:t>
+            </a:r>
+            <a:r>
+              <a:rPr lang="en-US" sz="2800" b="1" noProof="1" smtClean="0">
+                <a:effectLst>
+                  <a:outerShdw blurRad="38100" dist="38100" dir="2700000" algn="tl">
+                    <a:srgbClr val="000000">
+                      <a:alpha val="43137"/>
+                    </a:srgbClr>
+                  </a:outerShdw>
+                </a:effectLst>
+                <a:latin typeface="Consolas" pitchFamily="49" charset="0"/>
+                <a:cs typeface="Consolas" pitchFamily="49" charset="0"/>
+              </a:rPr>
+              <a:t>) -&gt; n</a:t>
+            </a:r>
+            <a:r>
+              <a:rPr lang="bg-BG" sz="2800" b="1" noProof="1" smtClean="0">
+                <a:effectLst>
+                  <a:outerShdw blurRad="38100" dist="38100" dir="2700000" algn="tl">
+                    <a:srgbClr val="000000">
+                      <a:alpha val="43137"/>
+                    </a:srgbClr>
+                  </a:outerShdw>
+                </a:effectLst>
+                <a:latin typeface="Consolas" pitchFamily="49" charset="0"/>
+                <a:cs typeface="Consolas" pitchFamily="49" charset="0"/>
+              </a:rPr>
+              <a:t> - включено</a:t>
+            </a:r>
+          </a:p>
+          <a:p>
+            <a:r>
+              <a:rPr lang="bg-BG" sz="2800" b="1" noProof="1" smtClean="0">
+                <a:effectLst>
+                  <a:outerShdw blurRad="38100" dist="38100" dir="2700000" algn="tl">
+                    <a:srgbClr val="000000">
+                      <a:alpha val="43137"/>
+                    </a:srgbClr>
+                  </a:outerShdw>
+                </a:effectLst>
+                <a:latin typeface="Consolas" pitchFamily="49" charset="0"/>
+                <a:cs typeface="Consolas" pitchFamily="49" charset="0"/>
+              </a:rPr>
+              <a:t>            -&gt; </a:t>
+            </a:r>
+            <a:r>
+              <a:rPr lang="de-DE" sz="2800" b="1" noProof="1" smtClean="0">
+                <a:effectLst>
+                  <a:outerShdw blurRad="38100" dist="38100" dir="2700000" algn="tl">
+                    <a:srgbClr val="000000">
+                      <a:alpha val="43137"/>
+                    </a:srgbClr>
+                  </a:outerShdw>
+                </a:effectLst>
+                <a:latin typeface="Consolas" pitchFamily="49" charset="0"/>
+                <a:cs typeface="Consolas" pitchFamily="49" charset="0"/>
+              </a:rPr>
+              <a:t>m </a:t>
+            </a:r>
+            <a:r>
+              <a:rPr lang="en-US" sz="2800" b="1" noProof="1" smtClean="0">
+                <a:effectLst>
+                  <a:outerShdw blurRad="38100" dist="38100" dir="2700000" algn="tl">
+                    <a:srgbClr val="000000">
+                      <a:alpha val="43137"/>
+                    </a:srgbClr>
+                  </a:outerShdw>
+                </a:effectLst>
+                <a:latin typeface="Consolas" pitchFamily="49" charset="0"/>
+                <a:cs typeface="Consolas" pitchFamily="49" charset="0"/>
+              </a:rPr>
+              <a:t>- </a:t>
+            </a:r>
+            <a:r>
+              <a:rPr lang="bg-BG" sz="2800" b="1" noProof="1" smtClean="0">
+                <a:effectLst>
+                  <a:outerShdw blurRad="38100" dist="38100" dir="2700000" algn="tl">
+                    <a:srgbClr val="000000">
+                      <a:alpha val="43137"/>
+                    </a:srgbClr>
+                  </a:outerShdw>
+                </a:effectLst>
+                <a:latin typeface="Consolas" pitchFamily="49" charset="0"/>
+                <a:cs typeface="Consolas" pitchFamily="49" charset="0"/>
+              </a:rPr>
+              <a:t>изключено</a:t>
+            </a:r>
+            <a:endParaRPr lang="en-US" sz="2800" b="1" noProof="1" smtClean="0">
+              <a:effectLst>
+                <a:outerShdw blurRad="38100" dist="38100" dir="2700000" algn="tl">
+                  <a:srgbClr val="000000">
+                    <a:alpha val="43137"/>
+                  </a:srgbClr>
+                </a:outerShdw>
+              </a:effectLst>
+              <a:latin typeface="Consolas" pitchFamily="49" charset="0"/>
+              <a:cs typeface="Consolas" pitchFamily="49" charset="0"/>
+            </a:endParaRPr>
           </a:p>
         </p:txBody>
       </p:sp>
@@ -16335,8 +16443,8 @@
         </p:nvSpPr>
         <p:spPr bwMode="auto">
           <a:xfrm>
-            <a:off x="911224" y="4863221"/>
-            <a:ext cx="10363200" cy="769441"/>
+            <a:off x="911224" y="4551653"/>
+            <a:ext cx="10363200" cy="1446550"/>
           </a:xfrm>
           <a:prstGeom prst="rect">
             <a:avLst/>
@@ -16373,8 +16481,119 @@
                 <a:latin typeface="Consolas" pitchFamily="49" charset="0"/>
                 <a:cs typeface="Consolas" pitchFamily="49" charset="0"/>
               </a:rPr>
-              <a:t>     range(n, m) == [n, m)</a:t>
-            </a:r>
+              <a:t>range(n</a:t>
+            </a:r>
+            <a:r>
+              <a:rPr lang="en-US" sz="4400" b="1" noProof="1" smtClean="0">
+                <a:effectLst>
+                  <a:outerShdw blurRad="38100" dist="38100" dir="2700000" algn="tl">
+                    <a:srgbClr val="000000">
+                      <a:alpha val="43137"/>
+                    </a:srgbClr>
+                  </a:outerShdw>
+                </a:effectLst>
+                <a:latin typeface="Consolas" pitchFamily="49" charset="0"/>
+                <a:cs typeface="Consolas" pitchFamily="49" charset="0"/>
+              </a:rPr>
+              <a:t>, m</a:t>
+            </a:r>
+            <a:r>
+              <a:rPr lang="en-US" sz="4400" b="1" noProof="1" smtClean="0">
+                <a:effectLst>
+                  <a:outerShdw blurRad="38100" dist="38100" dir="2700000" algn="tl">
+                    <a:srgbClr val="000000">
+                      <a:alpha val="43137"/>
+                    </a:srgbClr>
+                  </a:outerShdw>
+                </a:effectLst>
+                <a:latin typeface="Consolas" pitchFamily="49" charset="0"/>
+                <a:cs typeface="Consolas" pitchFamily="49" charset="0"/>
+              </a:rPr>
+              <a:t>) -&gt; n</a:t>
+            </a:r>
+            <a:r>
+              <a:rPr lang="bg-BG" sz="4400" b="1" noProof="1" smtClean="0">
+                <a:effectLst>
+                  <a:outerShdw blurRad="38100" dist="38100" dir="2700000" algn="tl">
+                    <a:srgbClr val="000000">
+                      <a:alpha val="43137"/>
+                    </a:srgbClr>
+                  </a:outerShdw>
+                </a:effectLst>
+                <a:latin typeface="Consolas" pitchFamily="49" charset="0"/>
+                <a:cs typeface="Consolas" pitchFamily="49" charset="0"/>
+              </a:rPr>
+              <a:t> - включено</a:t>
+            </a:r>
+          </a:p>
+          <a:p>
+            <a:r>
+              <a:rPr lang="bg-BG" sz="4400" b="1" noProof="1" smtClean="0">
+                <a:effectLst>
+                  <a:outerShdw blurRad="38100" dist="38100" dir="2700000" algn="tl">
+                    <a:srgbClr val="000000">
+                      <a:alpha val="43137"/>
+                    </a:srgbClr>
+                  </a:outerShdw>
+                </a:effectLst>
+                <a:latin typeface="Consolas" pitchFamily="49" charset="0"/>
+                <a:cs typeface="Consolas" pitchFamily="49" charset="0"/>
+              </a:rPr>
+              <a:t>            -&gt; </a:t>
+            </a:r>
+            <a:r>
+              <a:rPr lang="de-DE" sz="4400" b="1" noProof="1" smtClean="0">
+                <a:effectLst>
+                  <a:outerShdw blurRad="38100" dist="38100" dir="2700000" algn="tl">
+                    <a:srgbClr val="000000">
+                      <a:alpha val="43137"/>
+                    </a:srgbClr>
+                  </a:outerShdw>
+                </a:effectLst>
+                <a:latin typeface="Consolas" pitchFamily="49" charset="0"/>
+                <a:cs typeface="Consolas" pitchFamily="49" charset="0"/>
+              </a:rPr>
+              <a:t>m </a:t>
+            </a:r>
+            <a:r>
+              <a:rPr lang="en-US" sz="4400" b="1" noProof="1" smtClean="0">
+                <a:effectLst>
+                  <a:outerShdw blurRad="38100" dist="38100" dir="2700000" algn="tl">
+                    <a:srgbClr val="000000">
+                      <a:alpha val="43137"/>
+                    </a:srgbClr>
+                  </a:outerShdw>
+                </a:effectLst>
+                <a:latin typeface="Consolas" pitchFamily="49" charset="0"/>
+                <a:cs typeface="Consolas" pitchFamily="49" charset="0"/>
+              </a:rPr>
+              <a:t>- </a:t>
+            </a:r>
+            <a:r>
+              <a:rPr lang="bg-BG" sz="4400" b="1" noProof="1" smtClean="0">
+                <a:effectLst>
+                  <a:outerShdw blurRad="38100" dist="38100" dir="2700000" algn="tl">
+                    <a:srgbClr val="000000">
+                      <a:alpha val="43137"/>
+                    </a:srgbClr>
+                  </a:outerShdw>
+                </a:effectLst>
+                <a:latin typeface="Consolas" pitchFamily="49" charset="0"/>
+                <a:cs typeface="Consolas" pitchFamily="49" charset="0"/>
+              </a:rPr>
+              <a:t>изключено</a:t>
+            </a:r>
+            <a:endParaRPr lang="en-US" sz="4400" b="1" noProof="1" smtClean="0">
+              <a:effectLst>
+                <a:outerShdw blurRad="38100" dist="38100" dir="2700000" algn="tl">
+                  <a:srgbClr val="000000">
+                    <a:alpha val="43137"/>
+                  </a:srgbClr>
+                </a:outerShdw>
+              </a:effectLst>
+              <a:latin typeface="Consolas" pitchFamily="49" charset="0"/>
+              <a:cs typeface="Consolas" pitchFamily="49" charset="0"/>
+            </a:endParaRPr>
           </a:p>
         </p:txBody>
       </p:sp>
@@ -16509,15 +16728,7 @@
             <a:pPr lvl="1"/>
             <a:r>
               <a:rPr lang="bg-BG" dirty="0" smtClean="0"/>
-              <a:t>От първия ред на входа се въвежда </a:t>
-            </a:r>
-            <a:r>
-              <a:rPr lang="bg-BG" dirty="0" smtClean="0"/>
-              <a:t>броя </a:t>
-            </a:r>
-            <a:r>
-              <a:rPr lang="bg-BG" dirty="0" smtClean="0"/>
-              <a:t>числа </a:t>
+              <a:t>От първия ред на входа се въвежда броя числа </a:t>
             </a:r>
             <a:r>
               <a:rPr lang="en-US" b="1" dirty="0" smtClean="0">
@@ -18037,7 +18248,24 @@
                 <a:latin typeface="Consolas" pitchFamily="49" charset="0"/>
                 <a:cs typeface="Consolas" pitchFamily="49" charset="0"/>
               </a:rPr>
-              <a:t>   sum </a:t>
+              <a:t>   </a:t>
+            </a:r>
+            <a:r>
+              <a:rPr lang="en-US" sz="2800" b="1" noProof="1" smtClean="0">
+                <a:solidFill>
+                  <a:srgbClr val="FBEEDC"/>
+                </a:solidFill>
+                <a:effectLst>
+                  <a:outerShdw blurRad="38100" dist="38100" dir="2700000" algn="tl">
+                    <a:srgbClr val="000000">
+                      <a:alpha val="43137"/>
+                    </a:srgbClr>
+                  </a:outerShdw>
+                </a:effectLst>
+                <a:latin typeface="Consolas" pitchFamily="49" charset="0"/>
+                <a:cs typeface="Consolas" pitchFamily="49" charset="0"/>
+              </a:rPr>
+              <a:t>num </a:t>
             </a:r>
             <a:r>
               <a:rPr lang="en-US" sz="2800" b="1" noProof="1">

--- a/5. Loops/5. Loops.pptx
+++ b/5. Loops/5. Loops.pptx
@@ -247,7 +247,7 @@
             <a:fld id="{FE5B4EDC-59C0-49C7-8ADA-5A781B329E02}" type="datetimeFigureOut">
               <a:rPr lang="en-US"/>
               <a:pPr/>
-              <a:t>2/28/2017</a:t>
+              <a:t>4/8/2017</a:t>
             </a:fld>
             <a:endParaRPr dirty="0"/>
           </a:p>
@@ -446,7 +446,7 @@
             <a:fld id="{F2D8D46A-B586-417D-BFBD-8C8FE0AAF762}" type="datetimeFigureOut">
               <a:rPr lang="en-US" smtClean="0"/>
               <a:pPr/>
-              <a:t>2/28/2017</a:t>
+              <a:t>4/8/2017</a:t>
             </a:fld>
             <a:endParaRPr lang="en-US"/>
           </a:p>
@@ -2196,7 +2196,7 @@
             <a:fld id="{055373AC-9AA7-423B-BA00-BA1C74164DBD}" type="datetime1">
               <a:rPr lang="en-US" smtClean="0"/>
               <a:pPr/>
-              <a:t>2/28/2017</a:t>
+              <a:t>4/8/2017</a:t>
             </a:fld>
             <a:endParaRPr lang="en-US" dirty="0"/>
           </a:p>
@@ -3470,7 +3470,7 @@
             <a:fld id="{055373AC-9AA7-423B-BA00-BA1C74164DBD}" type="datetime1">
               <a:rPr lang="en-US" smtClean="0"/>
               <a:pPr/>
-              <a:t>2/28/2017</a:t>
+              <a:t>4/8/2017</a:t>
             </a:fld>
             <a:endParaRPr lang="en-US" dirty="0"/>
           </a:p>
@@ -6688,7 +6688,7 @@
       </p:pic>
       <p:pic>
         <p:nvPicPr>
-          <p:cNvPr id="7" name="Картина 6"/>
+          <p:cNvPr id="9" name="Картина 8"/>
           <p:cNvPicPr>
             <a:picLocks noChangeAspect="1"/>
           </p:cNvPicPr>
@@ -6708,8 +6708,8 @@
         </p:blipFill>
         <p:spPr>
           <a:xfrm>
-            <a:off x="5610469" y="2134451"/>
-            <a:ext cx="5676896" cy="1524000"/>
+            <a:off x="5610469" y="2294356"/>
+            <a:ext cx="5676896" cy="1204190"/>
           </a:xfrm>
           <a:prstGeom prst="rect">
             <a:avLst/>
@@ -12557,35 +12557,7 @@
                 <a:latin typeface="Consolas" pitchFamily="49" charset="0"/>
                 <a:cs typeface="Consolas" pitchFamily="49" charset="0"/>
               </a:rPr>
-              <a:t>range(n</a:t>
-            </a:r>
-            <a:r>
-              <a:rPr lang="en-US" sz="2800" b="1" noProof="1" smtClean="0">
-                <a:effectLst>
-                  <a:outerShdw blurRad="38100" dist="38100" dir="2700000" algn="tl">
-                    <a:srgbClr val="000000">
-                      <a:alpha val="43137"/>
-                    </a:srgbClr>
-                  </a:outerShdw>
-                </a:effectLst>
-                <a:latin typeface="Consolas" pitchFamily="49" charset="0"/>
-                <a:cs typeface="Consolas" pitchFamily="49" charset="0"/>
-              </a:rPr>
-              <a:t>, m</a:t>
-            </a:r>
-            <a:r>
-              <a:rPr lang="en-US" sz="2800" b="1" noProof="1" smtClean="0">
-                <a:effectLst>
-                  <a:outerShdw blurRad="38100" dist="38100" dir="2700000" algn="tl">
-                    <a:srgbClr val="000000">
-                      <a:alpha val="43137"/>
-                    </a:srgbClr>
-                  </a:outerShdw>
-                </a:effectLst>
-                <a:latin typeface="Consolas" pitchFamily="49" charset="0"/>
-                <a:cs typeface="Consolas" pitchFamily="49" charset="0"/>
-              </a:rPr>
-              <a:t>) -&gt; n</a:t>
+              <a:t>range(n, m) -&gt; n</a:t>
             </a:r>
             <a:r>
               <a:rPr lang="bg-BG" sz="2800" b="1" noProof="1" smtClean="0">
@@ -14306,8 +14278,8 @@
         </p:blipFill>
         <p:spPr>
           <a:xfrm>
-            <a:off x="5610469" y="2134451"/>
-            <a:ext cx="5676896" cy="1524000"/>
+            <a:off x="5610469" y="2294356"/>
+            <a:ext cx="5676896" cy="1204190"/>
           </a:xfrm>
           <a:prstGeom prst="rect">
             <a:avLst/>
@@ -16481,35 +16453,7 @@
                 <a:latin typeface="Consolas" pitchFamily="49" charset="0"/>
                 <a:cs typeface="Consolas" pitchFamily="49" charset="0"/>
               </a:rPr>
-              <a:t>range(n</a:t>
-            </a:r>
-            <a:r>
-              <a:rPr lang="en-US" sz="4400" b="1" noProof="1" smtClean="0">
-                <a:effectLst>
-                  <a:outerShdw blurRad="38100" dist="38100" dir="2700000" algn="tl">
-                    <a:srgbClr val="000000">
-                      <a:alpha val="43137"/>
-                    </a:srgbClr>
-                  </a:outerShdw>
-                </a:effectLst>
-                <a:latin typeface="Consolas" pitchFamily="49" charset="0"/>
-                <a:cs typeface="Consolas" pitchFamily="49" charset="0"/>
-              </a:rPr>
-              <a:t>, m</a:t>
-            </a:r>
-            <a:r>
-              <a:rPr lang="en-US" sz="4400" b="1" noProof="1" smtClean="0">
-                <a:effectLst>
-                  <a:outerShdw blurRad="38100" dist="38100" dir="2700000" algn="tl">
-                    <a:srgbClr val="000000">
-                      <a:alpha val="43137"/>
-                    </a:srgbClr>
-                  </a:outerShdw>
-                </a:effectLst>
-                <a:latin typeface="Consolas" pitchFamily="49" charset="0"/>
-                <a:cs typeface="Consolas" pitchFamily="49" charset="0"/>
-              </a:rPr>
-              <a:t>) -&gt; n</a:t>
+              <a:t>range(n, m) -&gt; n</a:t>
             </a:r>
             <a:r>
               <a:rPr lang="bg-BG" sz="4400" b="1" noProof="1" smtClean="0">
@@ -18248,24 +18192,7 @@
                 <a:latin typeface="Consolas" pitchFamily="49" charset="0"/>
                 <a:cs typeface="Consolas" pitchFamily="49" charset="0"/>
               </a:rPr>
-              <a:t>   </a:t>
-            </a:r>
-            <a:r>
-              <a:rPr lang="en-US" sz="2800" b="1" noProof="1" smtClean="0">
-                <a:solidFill>
-                  <a:srgbClr val="FBEEDC"/>
-                </a:solidFill>
-                <a:effectLst>
-                  <a:outerShdw blurRad="38100" dist="38100" dir="2700000" algn="tl">
-                    <a:srgbClr val="000000">
-                      <a:alpha val="43137"/>
-                    </a:srgbClr>
-                  </a:outerShdw>
-                </a:effectLst>
-                <a:latin typeface="Consolas" pitchFamily="49" charset="0"/>
-                <a:cs typeface="Consolas" pitchFamily="49" charset="0"/>
-              </a:rPr>
-              <a:t>num </a:t>
+              <a:t>   num </a:t>
             </a:r>
             <a:r>
               <a:rPr lang="en-US" sz="2800" b="1" noProof="1">

--- a/5. Loops/5. Loops.pptx
+++ b/5. Loops/5. Loops.pptx
@@ -247,7 +247,7 @@
             <a:fld id="{FE5B4EDC-59C0-49C7-8ADA-5A781B329E02}" type="datetimeFigureOut">
               <a:rPr lang="en-US"/>
               <a:pPr/>
-              <a:t>4/8/2017</a:t>
+              <a:t>4/21/2017</a:t>
             </a:fld>
             <a:endParaRPr dirty="0"/>
           </a:p>
@@ -446,7 +446,7 @@
             <a:fld id="{F2D8D46A-B586-417D-BFBD-8C8FE0AAF762}" type="datetimeFigureOut">
               <a:rPr lang="en-US" smtClean="0"/>
               <a:pPr/>
-              <a:t>4/8/2017</a:t>
+              <a:t>4/21/2017</a:t>
             </a:fld>
             <a:endParaRPr lang="en-US"/>
           </a:p>
@@ -2196,7 +2196,7 @@
             <a:fld id="{055373AC-9AA7-423B-BA00-BA1C74164DBD}" type="datetime1">
               <a:rPr lang="en-US" smtClean="0"/>
               <a:pPr/>
-              <a:t>4/8/2017</a:t>
+              <a:t>4/21/2017</a:t>
             </a:fld>
             <a:endParaRPr lang="en-US" dirty="0"/>
           </a:p>
@@ -3470,7 +3470,7 @@
             <a:fld id="{055373AC-9AA7-423B-BA00-BA1C74164DBD}" type="datetime1">
               <a:rPr lang="en-US" smtClean="0"/>
               <a:pPr/>
-              <a:t>4/8/2017</a:t>
+              <a:t>4/21/2017</a:t>
             </a:fld>
             <a:endParaRPr lang="en-US" dirty="0"/>
           </a:p>
@@ -5224,13 +5224,11 @@
               <a:rPr lang="en-US" dirty="0" smtClean="0">
                 <a:hlinkClick r:id="rId2"/>
               </a:rPr>
-              <a:t>judge.softuni.bg/Contests/Practice/Index/154#</a:t>
-            </a:r>
-            <a:r>
-              <a:rPr lang="bg-BG" dirty="0" smtClean="0">
-                <a:hlinkClick r:id="rId2"/>
-              </a:rPr>
-              <a:t>4</a:t>
+              <a:t>judge.softuni.bg/Contests/Practice/Index/490#4</a:t>
+            </a:r>
+            <a:r>
+              <a:rPr lang="en-US" dirty="0" smtClean="0"/>
+              <a:t> </a:t>
             </a:r>
             <a:endParaRPr lang="en-US" dirty="0"/>
           </a:p>
@@ -6541,13 +6539,11 @@
               <a:rPr lang="en-US" dirty="0" smtClean="0">
                 <a:hlinkClick r:id="rId2"/>
               </a:rPr>
-              <a:t>judge.softuni.bg/Contests/Practice/Index/154#</a:t>
-            </a:r>
-            <a:r>
-              <a:rPr lang="bg-BG" dirty="0" smtClean="0">
-                <a:hlinkClick r:id="rId2"/>
-              </a:rPr>
-              <a:t>5</a:t>
+              <a:t>judge.softuni.bg/Contests/Practice/Index/490#5</a:t>
+            </a:r>
+            <a:r>
+              <a:rPr lang="en-US" dirty="0" smtClean="0"/>
+              <a:t> </a:t>
             </a:r>
             <a:endParaRPr lang="en-US" dirty="0"/>
           </a:p>
@@ -8985,7 +8981,11 @@
               <a:rPr lang="en-US" dirty="0" smtClean="0">
                 <a:hlinkClick r:id="rId2"/>
               </a:rPr>
-              <a:t>judge.softuni.bg/Contests/Practice/Index/154#6</a:t>
+              <a:t>judge.softuni.bg/Contests/Practice/Index/490#6</a:t>
+            </a:r>
+            <a:r>
+              <a:rPr lang="en-US" dirty="0" smtClean="0"/>
+              <a:t> </a:t>
             </a:r>
             <a:endParaRPr lang="en-US" dirty="0"/>
           </a:p>
@@ -11341,7 +11341,11 @@
               <a:rPr lang="en-US" dirty="0" smtClean="0">
                 <a:hlinkClick r:id="rId2"/>
               </a:rPr>
-              <a:t>judge.softuni.bg/Contests/Practice/Index/154#7</a:t>
+              <a:t>judge.softuni.bg/Contests/Practice/Index/490#7</a:t>
+            </a:r>
+            <a:r>
+              <a:rPr lang="en-US" dirty="0" smtClean="0"/>
+              <a:t> </a:t>
             </a:r>
             <a:endParaRPr lang="en-US" dirty="0"/>
           </a:p>
@@ -15635,7 +15639,11 @@
               <a:rPr lang="en-US" dirty="0" smtClean="0">
                 <a:hlinkClick r:id="rId2"/>
               </a:rPr>
-              <a:t>judge.softuni.bg/Contests/Practice/Index/154#0</a:t>
+              <a:t>judge.softuni.bg/Contests/Practice/Index/490#0</a:t>
+            </a:r>
+            <a:r>
+              <a:rPr lang="en-US" dirty="0" smtClean="0"/>
+              <a:t> </a:t>
             </a:r>
             <a:endParaRPr lang="en-US" dirty="0"/>
           </a:p>
@@ -16399,7 +16407,11 @@
               <a:rPr lang="en-US" dirty="0" smtClean="0">
                 <a:hlinkClick r:id="rId2"/>
               </a:rPr>
-              <a:t>judge.softuni.bg/Contests/Practice/Index/154#1</a:t>
+              <a:t>judge.softuni.bg/Contests/Practice/Index/490#1</a:t>
+            </a:r>
+            <a:r>
+              <a:rPr lang="en-US" dirty="0" smtClean="0"/>
+              <a:t> </a:t>
             </a:r>
             <a:endParaRPr lang="en-US" dirty="0"/>
           </a:p>
@@ -18458,7 +18470,11 @@
               <a:rPr lang="en-US" dirty="0" smtClean="0">
                 <a:hlinkClick r:id="rId2"/>
               </a:rPr>
-              <a:t>judge.softuni.bg/Contests/Practice/Index/154#3</a:t>
+              <a:t>judge.softuni.bg/Contests/Practice/Index/490#3</a:t>
+            </a:r>
+            <a:r>
+              <a:rPr lang="en-US" dirty="0" smtClean="0"/>
+              <a:t> </a:t>
             </a:r>
             <a:endParaRPr lang="en-US" dirty="0"/>
           </a:p>
